--- a/Figures_PDF/functionalgenes_full.pptx
+++ b/Figures_PDF/functionalgenes_full.pptx
@@ -5,7 +5,7 @@
     <p:sldMasterId id="2147483648" r:id="rId1"/>
   </p:sldMasterIdLst>
   <p:sldIdLst>
-    <p:sldId id="259" r:id="rId2"/>
+    <p:sldId id="260" r:id="rId2"/>
   </p:sldIdLst>
   <p:sldSz cx="12192000" cy="6858000"/>
   <p:notesSz cx="6858000" cy="9144000"/>
@@ -243,7 +243,7 @@
           <a:p>
             <a:fld id="{CA478A71-B361-464A-ACC9-D00C2104679D}" type="datetimeFigureOut">
               <a:rPr lang="en-US" smtClean="0"/>
-              <a:t>4/10/2024</a:t>
+              <a:t>5/17/2024</a:t>
             </a:fld>
             <a:endParaRPr lang="en-US"/>
           </a:p>
@@ -413,7 +413,7 @@
           <a:p>
             <a:fld id="{CA478A71-B361-464A-ACC9-D00C2104679D}" type="datetimeFigureOut">
               <a:rPr lang="en-US" smtClean="0"/>
-              <a:t>4/10/2024</a:t>
+              <a:t>5/17/2024</a:t>
             </a:fld>
             <a:endParaRPr lang="en-US"/>
           </a:p>
@@ -593,7 +593,7 @@
           <a:p>
             <a:fld id="{CA478A71-B361-464A-ACC9-D00C2104679D}" type="datetimeFigureOut">
               <a:rPr lang="en-US" smtClean="0"/>
-              <a:t>4/10/2024</a:t>
+              <a:t>5/17/2024</a:t>
             </a:fld>
             <a:endParaRPr lang="en-US"/>
           </a:p>
@@ -763,7 +763,7 @@
           <a:p>
             <a:fld id="{CA478A71-B361-464A-ACC9-D00C2104679D}" type="datetimeFigureOut">
               <a:rPr lang="en-US" smtClean="0"/>
-              <a:t>4/10/2024</a:t>
+              <a:t>5/17/2024</a:t>
             </a:fld>
             <a:endParaRPr lang="en-US"/>
           </a:p>
@@ -1009,7 +1009,7 @@
           <a:p>
             <a:fld id="{CA478A71-B361-464A-ACC9-D00C2104679D}" type="datetimeFigureOut">
               <a:rPr lang="en-US" smtClean="0"/>
-              <a:t>4/10/2024</a:t>
+              <a:t>5/17/2024</a:t>
             </a:fld>
             <a:endParaRPr lang="en-US"/>
           </a:p>
@@ -1241,7 +1241,7 @@
           <a:p>
             <a:fld id="{CA478A71-B361-464A-ACC9-D00C2104679D}" type="datetimeFigureOut">
               <a:rPr lang="en-US" smtClean="0"/>
-              <a:t>4/10/2024</a:t>
+              <a:t>5/17/2024</a:t>
             </a:fld>
             <a:endParaRPr lang="en-US"/>
           </a:p>
@@ -1608,7 +1608,7 @@
           <a:p>
             <a:fld id="{CA478A71-B361-464A-ACC9-D00C2104679D}" type="datetimeFigureOut">
               <a:rPr lang="en-US" smtClean="0"/>
-              <a:t>4/10/2024</a:t>
+              <a:t>5/17/2024</a:t>
             </a:fld>
             <a:endParaRPr lang="en-US"/>
           </a:p>
@@ -1726,7 +1726,7 @@
           <a:p>
             <a:fld id="{CA478A71-B361-464A-ACC9-D00C2104679D}" type="datetimeFigureOut">
               <a:rPr lang="en-US" smtClean="0"/>
-              <a:t>4/10/2024</a:t>
+              <a:t>5/17/2024</a:t>
             </a:fld>
             <a:endParaRPr lang="en-US"/>
           </a:p>
@@ -1821,7 +1821,7 @@
           <a:p>
             <a:fld id="{CA478A71-B361-464A-ACC9-D00C2104679D}" type="datetimeFigureOut">
               <a:rPr lang="en-US" smtClean="0"/>
-              <a:t>4/10/2024</a:t>
+              <a:t>5/17/2024</a:t>
             </a:fld>
             <a:endParaRPr lang="en-US"/>
           </a:p>
@@ -2098,7 +2098,7 @@
           <a:p>
             <a:fld id="{CA478A71-B361-464A-ACC9-D00C2104679D}" type="datetimeFigureOut">
               <a:rPr lang="en-US" smtClean="0"/>
-              <a:t>4/10/2024</a:t>
+              <a:t>5/17/2024</a:t>
             </a:fld>
             <a:endParaRPr lang="en-US"/>
           </a:p>
@@ -2351,7 +2351,7 @@
           <a:p>
             <a:fld id="{CA478A71-B361-464A-ACC9-D00C2104679D}" type="datetimeFigureOut">
               <a:rPr lang="en-US" smtClean="0"/>
-              <a:t>4/10/2024</a:t>
+              <a:t>5/17/2024</a:t>
             </a:fld>
             <a:endParaRPr lang="en-US"/>
           </a:p>
@@ -2564,7 +2564,7 @@
           <a:p>
             <a:fld id="{CA478A71-B361-464A-ACC9-D00C2104679D}" type="datetimeFigureOut">
               <a:rPr lang="en-US" smtClean="0"/>
-              <a:t>4/10/2024</a:t>
+              <a:t>5/17/2024</a:t>
             </a:fld>
             <a:endParaRPr lang="en-US"/>
           </a:p>
@@ -2971,27 +2971,21 @@
       </p:grpSpPr>
       <p:pic>
         <p:nvPicPr>
-          <p:cNvPr id="25" name="Grafik 24"/>
+          <p:cNvPr id="4" name="Grafik 3"/>
           <p:cNvPicPr>
             <a:picLocks noChangeAspect="1"/>
           </p:cNvPicPr>
           <p:nvPr/>
         </p:nvPicPr>
         <p:blipFill rotWithShape="1">
-          <a:blip r:embed="rId2">
-            <a:extLst>
-              <a:ext uri="{28A0092B-C50C-407E-A947-70E740481C1C}">
-                <a14:useLocalDpi xmlns:a14="http://schemas.microsoft.com/office/drawing/2010/main" val="0"/>
-              </a:ext>
-            </a:extLst>
-          </a:blip>
-          <a:srcRect t="-2954" r="16992" b="-198"/>
+          <a:blip r:embed="rId2"/>
+          <a:srcRect b="6970"/>
           <a:stretch/>
         </p:blipFill>
         <p:spPr>
           <a:xfrm>
-            <a:off x="489585" y="479438"/>
-            <a:ext cx="5471613" cy="5671152"/>
+            <a:off x="337483" y="349705"/>
+            <a:ext cx="5671431" cy="5811610"/>
           </a:xfrm>
           <a:prstGeom prst="rect">
             <a:avLst/>
@@ -3000,7 +2994,7 @@
       </p:pic>
       <p:pic>
         <p:nvPicPr>
-          <p:cNvPr id="10" name="Grafik 9"/>
+          <p:cNvPr id="2" name="Grafik 1"/>
           <p:cNvPicPr>
             <a:picLocks noChangeAspect="1"/>
           </p:cNvPicPr>
@@ -3008,29 +3002,52 @@
         </p:nvPicPr>
         <p:blipFill rotWithShape="1">
           <a:blip r:embed="rId3"/>
-          <a:srcRect l="9486"/>
+          <a:srcRect l="983" r="13219" b="6796"/>
           <a:stretch/>
         </p:blipFill>
         <p:spPr>
           <a:xfrm>
-            <a:off x="5976257" y="652752"/>
-            <a:ext cx="5966328" cy="5497838"/>
+            <a:off x="5236028" y="349705"/>
+            <a:ext cx="4865915" cy="5822496"/>
           </a:xfrm>
           <a:prstGeom prst="rect">
             <a:avLst/>
           </a:prstGeom>
         </p:spPr>
       </p:pic>
-      <p:sp>
-        <p:nvSpPr>
-          <p:cNvPr id="4" name="Eckige Klammer rechts 3"/>
+      <p:pic>
+        <p:nvPicPr>
+          <p:cNvPr id="5" name="Grafik 4"/>
+          <p:cNvPicPr>
+            <a:picLocks noChangeAspect="1"/>
+          </p:cNvPicPr>
+          <p:nvPr/>
+        </p:nvPicPr>
+        <p:blipFill rotWithShape="1">
+          <a:blip r:embed="rId3"/>
+          <a:srcRect l="91675" r="-1656" b="69527"/>
+          <a:stretch/>
+        </p:blipFill>
+        <p:spPr>
+          <a:xfrm>
+            <a:off x="11506200" y="4765918"/>
+            <a:ext cx="566058" cy="1903639"/>
+          </a:xfrm>
+          <a:prstGeom prst="rect">
+            <a:avLst/>
+          </a:prstGeom>
+        </p:spPr>
+      </p:pic>
+      <p:sp>
+        <p:nvSpPr>
+          <p:cNvPr id="6" name="Eckige Klammer rechts 5"/>
           <p:cNvSpPr/>
           <p:nvPr/>
         </p:nvSpPr>
         <p:spPr>
           <a:xfrm>
-            <a:off x="11397653" y="2052277"/>
-            <a:ext cx="257900" cy="1646149"/>
+            <a:off x="10640890" y="522513"/>
+            <a:ext cx="266567" cy="698132"/>
           </a:xfrm>
           <a:prstGeom prst="rightBracket">
             <a:avLst/>
@@ -3069,67 +3086,18 @@
       </p:sp>
       <p:sp>
         <p:nvSpPr>
-          <p:cNvPr id="11" name="Textfeld 10"/>
-          <p:cNvSpPr txBox="1"/>
-          <p:nvPr/>
-        </p:nvSpPr>
-        <p:spPr>
-          <a:xfrm rot="5400000">
-            <a:off x="10936626" y="2793522"/>
-            <a:ext cx="1795953" cy="338554"/>
-          </a:xfrm>
-          <a:prstGeom prst="rect">
-            <a:avLst/>
-          </a:prstGeom>
-          <a:noFill/>
-        </p:spPr>
-        <p:txBody>
-          <a:bodyPr wrap="square" rtlCol="0">
-            <a:spAutoFit/>
-          </a:bodyPr>
-          <a:lstStyle/>
-          <a:p>
-            <a:r>
-              <a:rPr lang="en-US" sz="1600" dirty="0" smtClean="0">
-                <a:solidFill>
-                  <a:schemeClr val="tx1">
-                    <a:lumMod val="65000"/>
-                    <a:lumOff val="35000"/>
-                  </a:schemeClr>
-                </a:solidFill>
-                <a:latin typeface="Arial" panose="020B0604020202020204" pitchFamily="34" charset="0"/>
-                <a:cs typeface="Arial" panose="020B0604020202020204" pitchFamily="34" charset="0"/>
-              </a:rPr>
-              <a:t>Nitrogen Fixation</a:t>
-            </a:r>
-            <a:endParaRPr lang="en-US" sz="1600" dirty="0">
-              <a:solidFill>
-                <a:schemeClr val="tx1">
-                  <a:lumMod val="65000"/>
-                  <a:lumOff val="35000"/>
-                </a:schemeClr>
-              </a:solidFill>
-              <a:latin typeface="Arial" panose="020B0604020202020204" pitchFamily="34" charset="0"/>
-              <a:cs typeface="Arial" panose="020B0604020202020204" pitchFamily="34" charset="0"/>
-            </a:endParaRPr>
-          </a:p>
-        </p:txBody>
-      </p:sp>
-      <p:sp>
-        <p:nvSpPr>
-          <p:cNvPr id="12" name="Eckige Klammer rechts 11"/>
+          <p:cNvPr id="7" name="Eckige Klammer rechts 6"/>
           <p:cNvSpPr/>
           <p:nvPr/>
         </p:nvSpPr>
         <p:spPr>
           <a:xfrm>
-            <a:off x="11404544" y="3926865"/>
-            <a:ext cx="251151" cy="1558630"/>
+            <a:off x="10640891" y="1405787"/>
+            <a:ext cx="266567" cy="1827269"/>
           </a:xfrm>
           <a:prstGeom prst="rightBracket">
             <a:avLst/>
           </a:prstGeom>
-          <a:noFill/>
           <a:ln>
             <a:solidFill>
               <a:schemeClr val="tx1">
@@ -3164,14 +3132,106 @@
       </p:sp>
       <p:sp>
         <p:nvSpPr>
-          <p:cNvPr id="13" name="Textfeld 12"/>
+          <p:cNvPr id="8" name="Eckige Klammer rechts 7"/>
+          <p:cNvSpPr/>
+          <p:nvPr/>
+        </p:nvSpPr>
+        <p:spPr>
+          <a:xfrm>
+            <a:off x="10580781" y="3400814"/>
+            <a:ext cx="266567" cy="1197346"/>
+          </a:xfrm>
+          <a:prstGeom prst="rightBracket">
+            <a:avLst/>
+          </a:prstGeom>
+          <a:ln>
+            <a:solidFill>
+              <a:schemeClr val="tx1">
+                <a:lumMod val="65000"/>
+                <a:lumOff val="35000"/>
+              </a:schemeClr>
+            </a:solidFill>
+          </a:ln>
+        </p:spPr>
+        <p:style>
+          <a:lnRef idx="3">
+            <a:schemeClr val="dk1"/>
+          </a:lnRef>
+          <a:fillRef idx="0">
+            <a:schemeClr val="dk1"/>
+          </a:fillRef>
+          <a:effectRef idx="2">
+            <a:schemeClr val="dk1"/>
+          </a:effectRef>
+          <a:fontRef idx="minor">
+            <a:schemeClr val="tx1"/>
+          </a:fontRef>
+        </p:style>
+        <p:txBody>
+          <a:bodyPr rtlCol="0" anchor="ctr"/>
+          <a:lstStyle/>
+          <a:p>
+            <a:pPr algn="ctr"/>
+            <a:endParaRPr lang="en-US"/>
+          </a:p>
+        </p:txBody>
+      </p:sp>
+      <p:sp>
+        <p:nvSpPr>
+          <p:cNvPr id="9" name="Eckige Klammer rechts 8"/>
+          <p:cNvSpPr/>
+          <p:nvPr/>
+        </p:nvSpPr>
+        <p:spPr>
+          <a:xfrm>
+            <a:off x="10577993" y="4765918"/>
+            <a:ext cx="266567" cy="1329379"/>
+          </a:xfrm>
+          <a:prstGeom prst="rightBracket">
+            <a:avLst/>
+          </a:prstGeom>
+          <a:ln>
+            <a:solidFill>
+              <a:schemeClr val="tx1">
+                <a:lumMod val="65000"/>
+                <a:lumOff val="35000"/>
+              </a:schemeClr>
+            </a:solidFill>
+          </a:ln>
+        </p:spPr>
+        <p:style>
+          <a:lnRef idx="3">
+            <a:schemeClr val="dk1"/>
+          </a:lnRef>
+          <a:fillRef idx="0">
+            <a:schemeClr val="dk1"/>
+          </a:fillRef>
+          <a:effectRef idx="2">
+            <a:schemeClr val="dk1"/>
+          </a:effectRef>
+          <a:fontRef idx="minor">
+            <a:schemeClr val="tx1"/>
+          </a:fontRef>
+        </p:style>
+        <p:txBody>
+          <a:bodyPr rtlCol="0" anchor="ctr"/>
+          <a:lstStyle/>
+          <a:p>
+            <a:pPr algn="ctr"/>
+            <a:endParaRPr lang="en-US"/>
+          </a:p>
+        </p:txBody>
+      </p:sp>
+      <p:sp>
+        <p:nvSpPr>
+          <p:cNvPr id="10" name="Textfeld 9"/>
           <p:cNvSpPr txBox="1"/>
           <p:nvPr/>
         </p:nvSpPr>
         <p:spPr>
           <a:xfrm rot="5400000">
-            <a:off x="10793086" y="4634447"/>
-            <a:ext cx="2083035" cy="338554"/>
+            <a:off x="10595986" y="717691"/>
+            <a:ext cx="1141659" cy="307777"/>
           </a:xfrm>
           <a:prstGeom prst="rect">
             <a:avLst/>
@@ -3179,13 +3239,109 @@
           <a:noFill/>
         </p:spPr>
         <p:txBody>
+          <a:bodyPr wrap="none" rtlCol="0">
+            <a:spAutoFit/>
+          </a:bodyPr>
+          <a:lstStyle/>
+          <a:p>
+            <a:r>
+              <a:rPr lang="en-US" sz="1400" dirty="0" smtClean="0">
+                <a:solidFill>
+                  <a:schemeClr val="tx1">
+                    <a:lumMod val="65000"/>
+                    <a:lumOff val="35000"/>
+                  </a:schemeClr>
+                </a:solidFill>
+                <a:latin typeface="Arial" panose="020B0604020202020204" pitchFamily="34" charset="0"/>
+                <a:cs typeface="Arial" panose="020B0604020202020204" pitchFamily="34" charset="0"/>
+              </a:rPr>
+              <a:t>Assimilation</a:t>
+            </a:r>
+            <a:endParaRPr lang="en-US" sz="1400" dirty="0">
+              <a:solidFill>
+                <a:schemeClr val="tx1">
+                  <a:lumMod val="65000"/>
+                  <a:lumOff val="35000"/>
+                </a:schemeClr>
+              </a:solidFill>
+              <a:latin typeface="Arial" panose="020B0604020202020204" pitchFamily="34" charset="0"/>
+              <a:cs typeface="Arial" panose="020B0604020202020204" pitchFamily="34" charset="0"/>
+            </a:endParaRPr>
+          </a:p>
+        </p:txBody>
+      </p:sp>
+      <p:sp>
+        <p:nvSpPr>
+          <p:cNvPr id="11" name="Textfeld 10"/>
+          <p:cNvSpPr txBox="1"/>
+          <p:nvPr/>
+        </p:nvSpPr>
+        <p:spPr>
+          <a:xfrm rot="5400000">
+            <a:off x="10721981" y="3755261"/>
+            <a:ext cx="894175" cy="523220"/>
+          </a:xfrm>
+          <a:prstGeom prst="rect">
+            <a:avLst/>
+          </a:prstGeom>
+          <a:noFill/>
+        </p:spPr>
+        <p:txBody>
           <a:bodyPr wrap="square" rtlCol="0">
             <a:spAutoFit/>
           </a:bodyPr>
           <a:lstStyle/>
           <a:p>
             <a:r>
-              <a:rPr lang="en-US" sz="1600" dirty="0" smtClean="0">
+              <a:rPr lang="en-US" sz="1400" dirty="0" smtClean="0">
+                <a:solidFill>
+                  <a:schemeClr val="tx1">
+                    <a:lumMod val="65000"/>
+                    <a:lumOff val="35000"/>
+                  </a:schemeClr>
+                </a:solidFill>
+                <a:latin typeface="Arial" panose="020B0604020202020204" pitchFamily="34" charset="0"/>
+                <a:cs typeface="Arial" panose="020B0604020202020204" pitchFamily="34" charset="0"/>
+              </a:rPr>
+              <a:t>Nitrogen Fixation</a:t>
+            </a:r>
+            <a:endParaRPr lang="en-US" sz="1400" dirty="0">
+              <a:solidFill>
+                <a:schemeClr val="tx1">
+                  <a:lumMod val="65000"/>
+                  <a:lumOff val="35000"/>
+                </a:schemeClr>
+              </a:solidFill>
+              <a:latin typeface="Arial" panose="020B0604020202020204" pitchFamily="34" charset="0"/>
+              <a:cs typeface="Arial" panose="020B0604020202020204" pitchFamily="34" charset="0"/>
+            </a:endParaRPr>
+          </a:p>
+        </p:txBody>
+      </p:sp>
+      <p:sp>
+        <p:nvSpPr>
+          <p:cNvPr id="12" name="Textfeld 11"/>
+          <p:cNvSpPr txBox="1"/>
+          <p:nvPr/>
+        </p:nvSpPr>
+        <p:spPr>
+          <a:xfrm rot="5400000">
+            <a:off x="10654213" y="5177383"/>
+            <a:ext cx="980965" cy="523220"/>
+          </a:xfrm>
+          <a:prstGeom prst="rect">
+            <a:avLst/>
+          </a:prstGeom>
+          <a:noFill/>
+        </p:spPr>
+        <p:txBody>
+          <a:bodyPr wrap="square" rtlCol="0">
+            <a:spAutoFit/>
+          </a:bodyPr>
+          <a:lstStyle/>
+          <a:p>
+            <a:r>
+              <a:rPr lang="en-US" sz="1400" dirty="0" smtClean="0">
                 <a:solidFill>
                   <a:schemeClr val="tx1">
                     <a:lumMod val="65000"/>
@@ -3197,7 +3353,7 @@
               </a:rPr>
               <a:t>Ammonia Oxidation</a:t>
             </a:r>
-            <a:endParaRPr lang="en-US" sz="1600" dirty="0">
+            <a:endParaRPr lang="en-US" sz="1400" dirty="0">
               <a:solidFill>
                 <a:schemeClr val="tx1">
                   <a:lumMod val="65000"/>
@@ -3212,14 +3368,14 @@
       </p:sp>
       <p:sp>
         <p:nvSpPr>
-          <p:cNvPr id="15" name="Textfeld 14"/>
+          <p:cNvPr id="13" name="Textfeld 12"/>
           <p:cNvSpPr txBox="1"/>
           <p:nvPr/>
         </p:nvSpPr>
         <p:spPr>
           <a:xfrm rot="5400000">
-            <a:off x="11194934" y="1121631"/>
-            <a:ext cx="1276311" cy="338554"/>
+            <a:off x="10475919" y="2262566"/>
+            <a:ext cx="1337555" cy="307777"/>
           </a:xfrm>
           <a:prstGeom prst="rect">
             <a:avLst/>
@@ -3227,13 +3383,13 @@
           <a:noFill/>
         </p:spPr>
         <p:txBody>
-          <a:bodyPr wrap="none" rtlCol="0">
+          <a:bodyPr wrap="square" rtlCol="0">
             <a:spAutoFit/>
           </a:bodyPr>
           <a:lstStyle/>
           <a:p>
             <a:r>
-              <a:rPr lang="en-US" sz="1600" dirty="0" smtClean="0">
+              <a:rPr lang="en-US" sz="1400" dirty="0" smtClean="0">
                 <a:solidFill>
                   <a:schemeClr val="tx1">
                     <a:lumMod val="65000"/>
@@ -3243,9 +3399,60 @@
                 <a:latin typeface="Arial" panose="020B0604020202020204" pitchFamily="34" charset="0"/>
                 <a:cs typeface="Arial" panose="020B0604020202020204" pitchFamily="34" charset="0"/>
               </a:rPr>
-              <a:t>Assimilation</a:t>
-            </a:r>
-            <a:endParaRPr lang="en-US" sz="1600" dirty="0">
+              <a:t>Denitrification</a:t>
+            </a:r>
+          </a:p>
+        </p:txBody>
+      </p:sp>
+      <p:sp>
+        <p:nvSpPr>
+          <p:cNvPr id="14" name="Textfeld 13"/>
+          <p:cNvSpPr txBox="1"/>
+          <p:nvPr/>
+        </p:nvSpPr>
+        <p:spPr>
+          <a:xfrm>
+            <a:off x="337483" y="0"/>
+            <a:ext cx="697627" cy="461665"/>
+          </a:xfrm>
+          <a:prstGeom prst="rect">
+            <a:avLst/>
+          </a:prstGeom>
+          <a:noFill/>
+        </p:spPr>
+        <p:txBody>
+          <a:bodyPr wrap="none" rtlCol="0">
+            <a:spAutoFit/>
+          </a:bodyPr>
+          <a:lstStyle/>
+          <a:p>
+            <a:r>
+              <a:rPr lang="en-US" sz="2400" dirty="0">
+                <a:solidFill>
+                  <a:schemeClr val="tx1">
+                    <a:lumMod val="65000"/>
+                    <a:lumOff val="35000"/>
+                  </a:schemeClr>
+                </a:solidFill>
+                <a:latin typeface="Arial" panose="020B0604020202020204" pitchFamily="34" charset="0"/>
+                <a:cs typeface="Arial" panose="020B0604020202020204" pitchFamily="34" charset="0"/>
+              </a:rPr>
+              <a:t>C</a:t>
+            </a:r>
+            <a:r>
+              <a:rPr lang="en-US" sz="2400" dirty="0" smtClean="0">
+                <a:solidFill>
+                  <a:schemeClr val="tx1">
+                    <a:lumMod val="65000"/>
+                    <a:lumOff val="35000"/>
+                  </a:schemeClr>
+                </a:solidFill>
+                <a:latin typeface="Arial" panose="020B0604020202020204" pitchFamily="34" charset="0"/>
+                <a:cs typeface="Arial" panose="020B0604020202020204" pitchFamily="34" charset="0"/>
+              </a:rPr>
+              <a:t>W</a:t>
+            </a:r>
+            <a:endParaRPr lang="en-US" sz="2400" dirty="0">
               <a:solidFill>
                 <a:schemeClr val="tx1">
                   <a:lumMod val="65000"/>
@@ -3258,50 +3465,473 @@
           </a:p>
         </p:txBody>
       </p:sp>
+      <p:sp>
+        <p:nvSpPr>
+          <p:cNvPr id="15" name="Textfeld 14"/>
+          <p:cNvSpPr txBox="1"/>
+          <p:nvPr/>
+        </p:nvSpPr>
+        <p:spPr>
+          <a:xfrm>
+            <a:off x="5205322" y="0"/>
+            <a:ext cx="679994" cy="461665"/>
+          </a:xfrm>
+          <a:prstGeom prst="rect">
+            <a:avLst/>
+          </a:prstGeom>
+          <a:noFill/>
+        </p:spPr>
+        <p:txBody>
+          <a:bodyPr wrap="none" rtlCol="0">
+            <a:spAutoFit/>
+          </a:bodyPr>
+          <a:lstStyle/>
+          <a:p>
+            <a:r>
+              <a:rPr lang="en-US" sz="2400" dirty="0">
+                <a:solidFill>
+                  <a:schemeClr val="tx1">
+                    <a:lumMod val="65000"/>
+                    <a:lumOff val="35000"/>
+                  </a:schemeClr>
+                </a:solidFill>
+                <a:latin typeface="Arial" panose="020B0604020202020204" pitchFamily="34" charset="0"/>
+                <a:cs typeface="Arial" panose="020B0604020202020204" pitchFamily="34" charset="0"/>
+              </a:rPr>
+              <a:t>P</a:t>
+            </a:r>
+            <a:r>
+              <a:rPr lang="en-US" sz="2400" dirty="0" smtClean="0">
+                <a:solidFill>
+                  <a:schemeClr val="tx1">
+                    <a:lumMod val="65000"/>
+                    <a:lumOff val="35000"/>
+                  </a:schemeClr>
+                </a:solidFill>
+                <a:latin typeface="Arial" panose="020B0604020202020204" pitchFamily="34" charset="0"/>
+                <a:cs typeface="Arial" panose="020B0604020202020204" pitchFamily="34" charset="0"/>
+              </a:rPr>
+              <a:t>W</a:t>
+            </a:r>
+            <a:endParaRPr lang="en-US" sz="2400" dirty="0">
+              <a:solidFill>
+                <a:schemeClr val="tx1">
+                  <a:lumMod val="65000"/>
+                  <a:lumOff val="35000"/>
+                </a:schemeClr>
+              </a:solidFill>
+              <a:latin typeface="Arial" panose="020B0604020202020204" pitchFamily="34" charset="0"/>
+              <a:cs typeface="Arial" panose="020B0604020202020204" pitchFamily="34" charset="0"/>
+            </a:endParaRPr>
+          </a:p>
+        </p:txBody>
+      </p:sp>
+      <p:sp>
+        <p:nvSpPr>
+          <p:cNvPr id="16" name="Textfeld 15"/>
+          <p:cNvSpPr txBox="1"/>
+          <p:nvPr/>
+        </p:nvSpPr>
+        <p:spPr>
+          <a:xfrm>
+            <a:off x="430550" y="6187854"/>
+            <a:ext cx="5212741" cy="307777"/>
+          </a:xfrm>
+          <a:prstGeom prst="rect">
+            <a:avLst/>
+          </a:prstGeom>
+          <a:noFill/>
+        </p:spPr>
+        <p:txBody>
+          <a:bodyPr wrap="square" rtlCol="0">
+            <a:spAutoFit/>
+          </a:bodyPr>
+          <a:lstStyle/>
+          <a:p>
+            <a:r>
+              <a:rPr lang="en-US" sz="1400" dirty="0" smtClean="0">
+                <a:solidFill>
+                  <a:schemeClr val="tx1">
+                    <a:lumMod val="65000"/>
+                    <a:lumOff val="35000"/>
+                  </a:schemeClr>
+                </a:solidFill>
+                <a:latin typeface="Arial" panose="020B0604020202020204" pitchFamily="34" charset="0"/>
+                <a:cs typeface="Arial" panose="020B0604020202020204" pitchFamily="34" charset="0"/>
+              </a:rPr>
+              <a:t>2018-04      2018-06       2018-08        2018-10     2019-02 </a:t>
+            </a:r>
+            <a:endParaRPr lang="en-US" sz="1400" dirty="0">
+              <a:solidFill>
+                <a:schemeClr val="tx1">
+                  <a:lumMod val="65000"/>
+                  <a:lumOff val="35000"/>
+                </a:schemeClr>
+              </a:solidFill>
+              <a:latin typeface="Arial" panose="020B0604020202020204" pitchFamily="34" charset="0"/>
+              <a:cs typeface="Arial" panose="020B0604020202020204" pitchFamily="34" charset="0"/>
+            </a:endParaRPr>
+          </a:p>
+        </p:txBody>
+      </p:sp>
+      <p:sp>
+        <p:nvSpPr>
+          <p:cNvPr id="18" name="Textfeld 17"/>
+          <p:cNvSpPr txBox="1"/>
+          <p:nvPr/>
+        </p:nvSpPr>
+        <p:spPr>
+          <a:xfrm>
+            <a:off x="5268251" y="6168686"/>
+            <a:ext cx="5212741" cy="307777"/>
+          </a:xfrm>
+          <a:prstGeom prst="rect">
+            <a:avLst/>
+          </a:prstGeom>
+          <a:noFill/>
+        </p:spPr>
+        <p:txBody>
+          <a:bodyPr wrap="square" rtlCol="0">
+            <a:spAutoFit/>
+          </a:bodyPr>
+          <a:lstStyle/>
+          <a:p>
+            <a:r>
+              <a:rPr lang="en-US" sz="1400" dirty="0" smtClean="0">
+                <a:solidFill>
+                  <a:schemeClr val="tx1">
+                    <a:lumMod val="65000"/>
+                    <a:lumOff val="35000"/>
+                  </a:schemeClr>
+                </a:solidFill>
+                <a:latin typeface="Arial" panose="020B0604020202020204" pitchFamily="34" charset="0"/>
+                <a:cs typeface="Arial" panose="020B0604020202020204" pitchFamily="34" charset="0"/>
+              </a:rPr>
+              <a:t>2018-04      2018-06       2018-08        2018-10     2019-02 </a:t>
+            </a:r>
+            <a:endParaRPr lang="en-US" sz="1400" dirty="0">
+              <a:solidFill>
+                <a:schemeClr val="tx1">
+                  <a:lumMod val="65000"/>
+                  <a:lumOff val="35000"/>
+                </a:schemeClr>
+              </a:solidFill>
+              <a:latin typeface="Arial" panose="020B0604020202020204" pitchFamily="34" charset="0"/>
+              <a:cs typeface="Arial" panose="020B0604020202020204" pitchFamily="34" charset="0"/>
+            </a:endParaRPr>
+          </a:p>
+        </p:txBody>
+      </p:sp>
+      <p:sp>
+        <p:nvSpPr>
+          <p:cNvPr id="20" name="Textfeld 19"/>
+          <p:cNvSpPr txBox="1"/>
+          <p:nvPr/>
+        </p:nvSpPr>
+        <p:spPr>
+          <a:xfrm>
+            <a:off x="10110264" y="460696"/>
+            <a:ext cx="503664" cy="307777"/>
+          </a:xfrm>
+          <a:prstGeom prst="rect">
+            <a:avLst/>
+          </a:prstGeom>
+          <a:noFill/>
+        </p:spPr>
+        <p:txBody>
+          <a:bodyPr wrap="none" rtlCol="0">
+            <a:spAutoFit/>
+          </a:bodyPr>
+          <a:lstStyle/>
+          <a:p>
+            <a:r>
+              <a:rPr lang="en-US" sz="1400" i="1" dirty="0" err="1" smtClean="0">
+                <a:solidFill>
+                  <a:schemeClr val="tx1">
+                    <a:lumMod val="75000"/>
+                    <a:lumOff val="25000"/>
+                  </a:schemeClr>
+                </a:solidFill>
+                <a:latin typeface="Arial" panose="020B0604020202020204" pitchFamily="34" charset="0"/>
+                <a:cs typeface="Arial" panose="020B0604020202020204" pitchFamily="34" charset="0"/>
+              </a:rPr>
+              <a:t>nirB</a:t>
+            </a:r>
+            <a:endParaRPr lang="en-US" sz="1400" i="1" dirty="0">
+              <a:solidFill>
+                <a:schemeClr val="tx1">
+                  <a:lumMod val="75000"/>
+                  <a:lumOff val="25000"/>
+                </a:schemeClr>
+              </a:solidFill>
+              <a:latin typeface="Arial" panose="020B0604020202020204" pitchFamily="34" charset="0"/>
+              <a:cs typeface="Arial" panose="020B0604020202020204" pitchFamily="34" charset="0"/>
+            </a:endParaRPr>
+          </a:p>
+        </p:txBody>
+      </p:sp>
+      <p:sp>
+        <p:nvSpPr>
+          <p:cNvPr id="21" name="Textfeld 20"/>
+          <p:cNvSpPr txBox="1"/>
+          <p:nvPr/>
+        </p:nvSpPr>
+        <p:spPr>
+          <a:xfrm>
+            <a:off x="10101648" y="937200"/>
+            <a:ext cx="593432" cy="307777"/>
+          </a:xfrm>
+          <a:prstGeom prst="rect">
+            <a:avLst/>
+          </a:prstGeom>
+          <a:noFill/>
+        </p:spPr>
+        <p:txBody>
+          <a:bodyPr wrap="none" rtlCol="0">
+            <a:spAutoFit/>
+          </a:bodyPr>
+          <a:lstStyle/>
+          <a:p>
+            <a:r>
+              <a:rPr lang="en-US" sz="1400" i="1" dirty="0" err="1" smtClean="0">
+                <a:solidFill>
+                  <a:schemeClr val="tx1">
+                    <a:lumMod val="75000"/>
+                    <a:lumOff val="25000"/>
+                  </a:schemeClr>
+                </a:solidFill>
+                <a:latin typeface="Arial" panose="020B0604020202020204" pitchFamily="34" charset="0"/>
+                <a:cs typeface="Arial" panose="020B0604020202020204" pitchFamily="34" charset="0"/>
+              </a:rPr>
+              <a:t>nasA</a:t>
+            </a:r>
+            <a:endParaRPr lang="en-US" sz="1400" i="1" dirty="0">
+              <a:solidFill>
+                <a:schemeClr val="tx1">
+                  <a:lumMod val="75000"/>
+                  <a:lumOff val="25000"/>
+                </a:schemeClr>
+              </a:solidFill>
+              <a:latin typeface="Arial" panose="020B0604020202020204" pitchFamily="34" charset="0"/>
+              <a:cs typeface="Arial" panose="020B0604020202020204" pitchFamily="34" charset="0"/>
+            </a:endParaRPr>
+          </a:p>
+        </p:txBody>
+      </p:sp>
+      <p:sp>
+        <p:nvSpPr>
+          <p:cNvPr id="22" name="Textfeld 21"/>
+          <p:cNvSpPr txBox="1"/>
+          <p:nvPr/>
+        </p:nvSpPr>
+        <p:spPr>
+          <a:xfrm>
+            <a:off x="10115075" y="1439900"/>
+            <a:ext cx="562975" cy="307777"/>
+          </a:xfrm>
+          <a:prstGeom prst="rect">
+            <a:avLst/>
+          </a:prstGeom>
+          <a:noFill/>
+        </p:spPr>
+        <p:txBody>
+          <a:bodyPr wrap="none" rtlCol="0">
+            <a:spAutoFit/>
+          </a:bodyPr>
+          <a:lstStyle/>
+          <a:p>
+            <a:r>
+              <a:rPr lang="en-US" sz="1400" i="1" dirty="0" err="1" smtClean="0">
+                <a:solidFill>
+                  <a:schemeClr val="tx1">
+                    <a:lumMod val="75000"/>
+                    <a:lumOff val="25000"/>
+                  </a:schemeClr>
+                </a:solidFill>
+                <a:latin typeface="Arial" panose="020B0604020202020204" pitchFamily="34" charset="0"/>
+                <a:cs typeface="Arial" panose="020B0604020202020204" pitchFamily="34" charset="0"/>
+              </a:rPr>
+              <a:t>norB</a:t>
+            </a:r>
+            <a:endParaRPr lang="en-US" sz="1400" i="1" dirty="0">
+              <a:solidFill>
+                <a:schemeClr val="tx1">
+                  <a:lumMod val="75000"/>
+                  <a:lumOff val="25000"/>
+                </a:schemeClr>
+              </a:solidFill>
+              <a:latin typeface="Arial" panose="020B0604020202020204" pitchFamily="34" charset="0"/>
+              <a:cs typeface="Arial" panose="020B0604020202020204" pitchFamily="34" charset="0"/>
+            </a:endParaRPr>
+          </a:p>
+        </p:txBody>
+      </p:sp>
+      <p:sp>
+        <p:nvSpPr>
+          <p:cNvPr id="23" name="Textfeld 22"/>
+          <p:cNvSpPr txBox="1"/>
+          <p:nvPr/>
+        </p:nvSpPr>
+        <p:spPr>
+          <a:xfrm>
+            <a:off x="10124389" y="1941133"/>
+            <a:ext cx="503664" cy="307777"/>
+          </a:xfrm>
+          <a:prstGeom prst="rect">
+            <a:avLst/>
+          </a:prstGeom>
+          <a:noFill/>
+        </p:spPr>
+        <p:txBody>
+          <a:bodyPr wrap="none" rtlCol="0">
+            <a:spAutoFit/>
+          </a:bodyPr>
+          <a:lstStyle/>
+          <a:p>
+            <a:r>
+              <a:rPr lang="en-US" sz="1400" i="1" dirty="0" err="1" smtClean="0">
+                <a:solidFill>
+                  <a:schemeClr val="tx1">
+                    <a:lumMod val="75000"/>
+                    <a:lumOff val="25000"/>
+                  </a:schemeClr>
+                </a:solidFill>
+                <a:latin typeface="Arial" panose="020B0604020202020204" pitchFamily="34" charset="0"/>
+                <a:cs typeface="Arial" panose="020B0604020202020204" pitchFamily="34" charset="0"/>
+              </a:rPr>
+              <a:t>nirK</a:t>
+            </a:r>
+            <a:endParaRPr lang="en-US" sz="1400" i="1" dirty="0">
+              <a:solidFill>
+                <a:schemeClr val="tx1">
+                  <a:lumMod val="75000"/>
+                  <a:lumOff val="25000"/>
+                </a:schemeClr>
+              </a:solidFill>
+              <a:latin typeface="Arial" panose="020B0604020202020204" pitchFamily="34" charset="0"/>
+              <a:cs typeface="Arial" panose="020B0604020202020204" pitchFamily="34" charset="0"/>
+            </a:endParaRPr>
+          </a:p>
+        </p:txBody>
+      </p:sp>
+      <p:sp>
+        <p:nvSpPr>
+          <p:cNvPr id="24" name="Textfeld 23"/>
+          <p:cNvSpPr txBox="1"/>
+          <p:nvPr/>
+        </p:nvSpPr>
+        <p:spPr>
+          <a:xfrm>
+            <a:off x="10124389" y="2392909"/>
+            <a:ext cx="582211" cy="307777"/>
+          </a:xfrm>
+          <a:prstGeom prst="rect">
+            <a:avLst/>
+          </a:prstGeom>
+          <a:noFill/>
+        </p:spPr>
+        <p:txBody>
+          <a:bodyPr wrap="none" rtlCol="0">
+            <a:spAutoFit/>
+          </a:bodyPr>
+          <a:lstStyle/>
+          <a:p>
+            <a:r>
+              <a:rPr lang="en-US" sz="1400" i="1" dirty="0" err="1" smtClean="0">
+                <a:solidFill>
+                  <a:schemeClr val="tx1">
+                    <a:lumMod val="75000"/>
+                    <a:lumOff val="25000"/>
+                  </a:schemeClr>
+                </a:solidFill>
+                <a:latin typeface="Arial" panose="020B0604020202020204" pitchFamily="34" charset="0"/>
+                <a:cs typeface="Arial" panose="020B0604020202020204" pitchFamily="34" charset="0"/>
+              </a:rPr>
+              <a:t>narG</a:t>
+            </a:r>
+            <a:endParaRPr lang="en-US" sz="1400" i="1" dirty="0">
+              <a:solidFill>
+                <a:schemeClr val="tx1">
+                  <a:lumMod val="75000"/>
+                  <a:lumOff val="25000"/>
+                </a:schemeClr>
+              </a:solidFill>
+              <a:latin typeface="Arial" panose="020B0604020202020204" pitchFamily="34" charset="0"/>
+              <a:cs typeface="Arial" panose="020B0604020202020204" pitchFamily="34" charset="0"/>
+            </a:endParaRPr>
+          </a:p>
+        </p:txBody>
+      </p:sp>
+      <p:sp>
+        <p:nvSpPr>
+          <p:cNvPr id="25" name="Textfeld 24"/>
+          <p:cNvSpPr txBox="1"/>
+          <p:nvPr/>
+        </p:nvSpPr>
+        <p:spPr>
+          <a:xfrm>
+            <a:off x="10133563" y="2839062"/>
+            <a:ext cx="572593" cy="307777"/>
+          </a:xfrm>
+          <a:prstGeom prst="rect">
+            <a:avLst/>
+          </a:prstGeom>
+          <a:noFill/>
+        </p:spPr>
+        <p:txBody>
+          <a:bodyPr wrap="none" rtlCol="0">
+            <a:spAutoFit/>
+          </a:bodyPr>
+          <a:lstStyle/>
+          <a:p>
+            <a:r>
+              <a:rPr lang="en-US" sz="1400" i="1" dirty="0" err="1" smtClean="0">
+                <a:solidFill>
+                  <a:schemeClr val="tx1">
+                    <a:lumMod val="75000"/>
+                    <a:lumOff val="25000"/>
+                  </a:schemeClr>
+                </a:solidFill>
+                <a:latin typeface="Arial" panose="020B0604020202020204" pitchFamily="34" charset="0"/>
+                <a:cs typeface="Arial" panose="020B0604020202020204" pitchFamily="34" charset="0"/>
+              </a:rPr>
+              <a:t>narH</a:t>
+            </a:r>
+            <a:endParaRPr lang="en-US" sz="1400" i="1" dirty="0">
+              <a:solidFill>
+                <a:schemeClr val="tx1">
+                  <a:lumMod val="75000"/>
+                  <a:lumOff val="25000"/>
+                </a:schemeClr>
+              </a:solidFill>
+              <a:latin typeface="Arial" panose="020B0604020202020204" pitchFamily="34" charset="0"/>
+              <a:cs typeface="Arial" panose="020B0604020202020204" pitchFamily="34" charset="0"/>
+            </a:endParaRPr>
+          </a:p>
+        </p:txBody>
+      </p:sp>
       <p:cxnSp>
         <p:nvCxnSpPr>
-          <p:cNvPr id="17" name="Gerader Verbinder 16"/>
+          <p:cNvPr id="32" name="Gerader Verbinder 31"/>
           <p:cNvCxnSpPr/>
           <p:nvPr/>
         </p:nvCxnSpPr>
         <p:spPr>
           <a:xfrm>
-            <a:off x="783771" y="2133600"/>
-            <a:ext cx="0" cy="0"/>
+            <a:off x="5223715" y="392412"/>
+            <a:ext cx="5747" cy="5757106"/>
           </a:xfrm>
           <a:prstGeom prst="line">
             <a:avLst/>
           </a:prstGeom>
-        </p:spPr>
-        <p:style>
-          <a:lnRef idx="1">
-            <a:schemeClr val="accent1"/>
-          </a:lnRef>
-          <a:fillRef idx="0">
-            <a:schemeClr val="accent1"/>
-          </a:fillRef>
-          <a:effectRef idx="0">
-            <a:schemeClr val="accent1"/>
-          </a:effectRef>
-          <a:fontRef idx="minor">
-            <a:schemeClr val="tx1"/>
-          </a:fontRef>
-        </p:style>
-      </p:cxnSp>
-      <p:cxnSp>
-        <p:nvCxnSpPr>
-          <p:cNvPr id="22" name="Gerader Verbinder 21"/>
-          <p:cNvCxnSpPr/>
-          <p:nvPr/>
-        </p:nvCxnSpPr>
-        <p:spPr>
-          <a:xfrm>
-            <a:off x="1096917" y="3734394"/>
-            <a:ext cx="9728563" cy="11480"/>
-          </a:xfrm>
-          <a:prstGeom prst="line">
-            <a:avLst/>
-          </a:prstGeom>
+          <a:ln>
+            <a:solidFill>
+              <a:schemeClr val="tx1">
+                <a:lumMod val="75000"/>
+                <a:lumOff val="25000"/>
+              </a:schemeClr>
+            </a:solidFill>
+          </a:ln>
         </p:spPr>
         <p:style>
           <a:lnRef idx="3">
@@ -3326,8 +3956,8 @@
         </p:nvSpPr>
         <p:spPr>
           <a:xfrm>
-            <a:off x="3225391" y="237253"/>
-            <a:ext cx="697627" cy="461665"/>
+            <a:off x="10144730" y="3356337"/>
+            <a:ext cx="503664" cy="307777"/>
           </a:xfrm>
           <a:prstGeom prst="rect">
             <a:avLst/>
@@ -3341,36 +3971,71 @@
           <a:lstStyle/>
           <a:p>
             <a:r>
-              <a:rPr lang="en-US" sz="2400" dirty="0">
+              <a:rPr lang="en-US" sz="1400" i="1" dirty="0" err="1" smtClean="0">
                 <a:solidFill>
                   <a:schemeClr val="tx1">
-                    <a:lumMod val="65000"/>
-                    <a:lumOff val="35000"/>
+                    <a:lumMod val="75000"/>
+                    <a:lumOff val="25000"/>
                   </a:schemeClr>
                 </a:solidFill>
                 <a:latin typeface="Arial" panose="020B0604020202020204" pitchFamily="34" charset="0"/>
                 <a:cs typeface="Arial" panose="020B0604020202020204" pitchFamily="34" charset="0"/>
               </a:rPr>
-              <a:t>C</a:t>
-            </a:r>
-            <a:r>
-              <a:rPr lang="en-US" sz="2400" dirty="0" smtClean="0">
+              <a:t>nifD</a:t>
+            </a:r>
+            <a:endParaRPr lang="en-US" sz="1400" i="1" dirty="0">
+              <a:solidFill>
+                <a:schemeClr val="tx1">
+                  <a:lumMod val="75000"/>
+                  <a:lumOff val="25000"/>
+                </a:schemeClr>
+              </a:solidFill>
+              <a:latin typeface="Arial" panose="020B0604020202020204" pitchFamily="34" charset="0"/>
+              <a:cs typeface="Arial" panose="020B0604020202020204" pitchFamily="34" charset="0"/>
+            </a:endParaRPr>
+          </a:p>
+        </p:txBody>
+      </p:sp>
+      <p:sp>
+        <p:nvSpPr>
+          <p:cNvPr id="27" name="Textfeld 26"/>
+          <p:cNvSpPr txBox="1"/>
+          <p:nvPr/>
+        </p:nvSpPr>
+        <p:spPr>
+          <a:xfrm>
+            <a:off x="10153333" y="3829021"/>
+            <a:ext cx="503664" cy="307777"/>
+          </a:xfrm>
+          <a:prstGeom prst="rect">
+            <a:avLst/>
+          </a:prstGeom>
+          <a:noFill/>
+        </p:spPr>
+        <p:txBody>
+          <a:bodyPr wrap="none" rtlCol="0">
+            <a:spAutoFit/>
+          </a:bodyPr>
+          <a:lstStyle/>
+          <a:p>
+            <a:r>
+              <a:rPr lang="en-US" sz="1400" i="1" dirty="0" err="1" smtClean="0">
                 <a:solidFill>
                   <a:schemeClr val="tx1">
-                    <a:lumMod val="65000"/>
-                    <a:lumOff val="35000"/>
+                    <a:lumMod val="75000"/>
+                    <a:lumOff val="25000"/>
                   </a:schemeClr>
                 </a:solidFill>
                 <a:latin typeface="Arial" panose="020B0604020202020204" pitchFamily="34" charset="0"/>
                 <a:cs typeface="Arial" panose="020B0604020202020204" pitchFamily="34" charset="0"/>
               </a:rPr>
-              <a:t>W</a:t>
-            </a:r>
-            <a:endParaRPr lang="en-US" sz="2400" dirty="0">
+              <a:t>nifH</a:t>
+            </a:r>
+            <a:endParaRPr lang="en-US" sz="1400" i="1" dirty="0">
               <a:solidFill>
                 <a:schemeClr val="tx1">
-                  <a:lumMod val="65000"/>
-                  <a:lumOff val="35000"/>
+                  <a:lumMod val="75000"/>
+                  <a:lumOff val="25000"/>
                 </a:schemeClr>
               </a:solidFill>
               <a:latin typeface="Arial" panose="020B0604020202020204" pitchFamily="34" charset="0"/>
@@ -3379,76 +4044,16 @@
           </a:p>
         </p:txBody>
       </p:sp>
-      <p:cxnSp>
-        <p:nvCxnSpPr>
-          <p:cNvPr id="19" name="Gerader Verbinder 18"/>
-          <p:cNvCxnSpPr/>
-          <p:nvPr/>
-        </p:nvCxnSpPr>
-        <p:spPr>
-          <a:xfrm>
-            <a:off x="1096917" y="1937657"/>
-            <a:ext cx="9728563" cy="0"/>
-          </a:xfrm>
-          <a:prstGeom prst="line">
-            <a:avLst/>
-          </a:prstGeom>
-        </p:spPr>
-        <p:style>
-          <a:lnRef idx="3">
-            <a:schemeClr val="dk1"/>
-          </a:lnRef>
-          <a:fillRef idx="0">
-            <a:schemeClr val="dk1"/>
-          </a:fillRef>
-          <a:effectRef idx="2">
-            <a:schemeClr val="dk1"/>
-          </a:effectRef>
-          <a:fontRef idx="minor">
-            <a:schemeClr val="tx1"/>
-          </a:fontRef>
-        </p:style>
-      </p:cxnSp>
-      <p:cxnSp>
-        <p:nvCxnSpPr>
-          <p:cNvPr id="32" name="Gerader Verbinder 31"/>
-          <p:cNvCxnSpPr/>
-          <p:nvPr/>
-        </p:nvCxnSpPr>
-        <p:spPr>
-          <a:xfrm>
-            <a:off x="5961198" y="698917"/>
-            <a:ext cx="15058" cy="4885454"/>
-          </a:xfrm>
-          <a:prstGeom prst="line">
-            <a:avLst/>
-          </a:prstGeom>
-        </p:spPr>
-        <p:style>
-          <a:lnRef idx="3">
-            <a:schemeClr val="dk1"/>
-          </a:lnRef>
-          <a:fillRef idx="0">
-            <a:schemeClr val="dk1"/>
-          </a:fillRef>
-          <a:effectRef idx="2">
-            <a:schemeClr val="dk1"/>
-          </a:effectRef>
-          <a:fontRef idx="minor">
-            <a:schemeClr val="tx1"/>
-          </a:fontRef>
-        </p:style>
-      </p:cxnSp>
-      <p:sp>
-        <p:nvSpPr>
-          <p:cNvPr id="16" name="Textfeld 15"/>
+      <p:sp>
+        <p:nvSpPr>
+          <p:cNvPr id="28" name="Textfeld 27"/>
           <p:cNvSpPr txBox="1"/>
           <p:nvPr/>
         </p:nvSpPr>
         <p:spPr>
           <a:xfrm>
-            <a:off x="8017010" y="237252"/>
-            <a:ext cx="679994" cy="461665"/>
+            <a:off x="10142699" y="4280797"/>
+            <a:ext cx="494046" cy="307777"/>
           </a:xfrm>
           <a:prstGeom prst="rect">
             <a:avLst/>
@@ -3462,36 +4067,71 @@
           <a:lstStyle/>
           <a:p>
             <a:r>
-              <a:rPr lang="en-US" sz="2400" dirty="0">
+              <a:rPr lang="en-US" sz="1400" i="1" dirty="0" err="1" smtClean="0">
                 <a:solidFill>
                   <a:schemeClr val="tx1">
-                    <a:lumMod val="65000"/>
-                    <a:lumOff val="35000"/>
+                    <a:lumMod val="75000"/>
+                    <a:lumOff val="25000"/>
                   </a:schemeClr>
                 </a:solidFill>
                 <a:latin typeface="Arial" panose="020B0604020202020204" pitchFamily="34" charset="0"/>
                 <a:cs typeface="Arial" panose="020B0604020202020204" pitchFamily="34" charset="0"/>
               </a:rPr>
-              <a:t>P</a:t>
-            </a:r>
-            <a:r>
-              <a:rPr lang="en-US" sz="2400" dirty="0" smtClean="0">
+              <a:t>nifK</a:t>
+            </a:r>
+            <a:endParaRPr lang="en-US" sz="1400" i="1" dirty="0">
+              <a:solidFill>
+                <a:schemeClr val="tx1">
+                  <a:lumMod val="75000"/>
+                  <a:lumOff val="25000"/>
+                </a:schemeClr>
+              </a:solidFill>
+              <a:latin typeface="Arial" panose="020B0604020202020204" pitchFamily="34" charset="0"/>
+              <a:cs typeface="Arial" panose="020B0604020202020204" pitchFamily="34" charset="0"/>
+            </a:endParaRPr>
+          </a:p>
+        </p:txBody>
+      </p:sp>
+      <p:sp>
+        <p:nvSpPr>
+          <p:cNvPr id="29" name="Textfeld 28"/>
+          <p:cNvSpPr txBox="1"/>
+          <p:nvPr/>
+        </p:nvSpPr>
+        <p:spPr>
+          <a:xfrm>
+            <a:off x="10153333" y="4798573"/>
+            <a:ext cx="652743" cy="307777"/>
+          </a:xfrm>
+          <a:prstGeom prst="rect">
+            <a:avLst/>
+          </a:prstGeom>
+          <a:noFill/>
+        </p:spPr>
+        <p:txBody>
+          <a:bodyPr wrap="none" rtlCol="0">
+            <a:spAutoFit/>
+          </a:bodyPr>
+          <a:lstStyle/>
+          <a:p>
+            <a:r>
+              <a:rPr lang="en-US" sz="1400" i="1" dirty="0" err="1" smtClean="0">
                 <a:solidFill>
                   <a:schemeClr val="tx1">
-                    <a:lumMod val="65000"/>
-                    <a:lumOff val="35000"/>
+                    <a:lumMod val="75000"/>
+                    <a:lumOff val="25000"/>
                   </a:schemeClr>
                 </a:solidFill>
                 <a:latin typeface="Arial" panose="020B0604020202020204" pitchFamily="34" charset="0"/>
                 <a:cs typeface="Arial" panose="020B0604020202020204" pitchFamily="34" charset="0"/>
               </a:rPr>
-              <a:t>W</a:t>
-            </a:r>
-            <a:endParaRPr lang="en-US" sz="2400" dirty="0">
+              <a:t>amoA</a:t>
+            </a:r>
+            <a:endParaRPr lang="en-US" sz="1400" i="1" dirty="0">
               <a:solidFill>
                 <a:schemeClr val="tx1">
-                  <a:lumMod val="65000"/>
-                  <a:lumOff val="35000"/>
+                  <a:lumMod val="75000"/>
+                  <a:lumOff val="25000"/>
                 </a:schemeClr>
               </a:solidFill>
               <a:latin typeface="Arial" panose="020B0604020202020204" pitchFamily="34" charset="0"/>
@@ -3502,14 +4142,110 @@
       </p:sp>
       <p:sp>
         <p:nvSpPr>
-          <p:cNvPr id="5" name="Rechteck 4"/>
+          <p:cNvPr id="30" name="Textfeld 29"/>
+          <p:cNvSpPr txBox="1"/>
+          <p:nvPr/>
+        </p:nvSpPr>
+        <p:spPr>
+          <a:xfrm>
+            <a:off x="10153333" y="5234327"/>
+            <a:ext cx="652743" cy="307777"/>
+          </a:xfrm>
+          <a:prstGeom prst="rect">
+            <a:avLst/>
+          </a:prstGeom>
+          <a:noFill/>
+        </p:spPr>
+        <p:txBody>
+          <a:bodyPr wrap="none" rtlCol="0">
+            <a:spAutoFit/>
+          </a:bodyPr>
+          <a:lstStyle/>
+          <a:p>
+            <a:r>
+              <a:rPr lang="en-US" sz="1400" i="1" dirty="0" err="1" smtClean="0">
+                <a:solidFill>
+                  <a:schemeClr val="tx1">
+                    <a:lumMod val="75000"/>
+                    <a:lumOff val="25000"/>
+                  </a:schemeClr>
+                </a:solidFill>
+                <a:latin typeface="Arial" panose="020B0604020202020204" pitchFamily="34" charset="0"/>
+                <a:cs typeface="Arial" panose="020B0604020202020204" pitchFamily="34" charset="0"/>
+              </a:rPr>
+              <a:t>amoB</a:t>
+            </a:r>
+            <a:endParaRPr lang="en-US" sz="1400" i="1" dirty="0">
+              <a:solidFill>
+                <a:schemeClr val="tx1">
+                  <a:lumMod val="75000"/>
+                  <a:lumOff val="25000"/>
+                </a:schemeClr>
+              </a:solidFill>
+              <a:latin typeface="Arial" panose="020B0604020202020204" pitchFamily="34" charset="0"/>
+              <a:cs typeface="Arial" panose="020B0604020202020204" pitchFamily="34" charset="0"/>
+            </a:endParaRPr>
+          </a:p>
+        </p:txBody>
+      </p:sp>
+      <p:sp>
+        <p:nvSpPr>
+          <p:cNvPr id="31" name="Textfeld 30"/>
+          <p:cNvSpPr txBox="1"/>
+          <p:nvPr/>
+        </p:nvSpPr>
+        <p:spPr>
+          <a:xfrm>
+            <a:off x="10153333" y="5740153"/>
+            <a:ext cx="662361" cy="307777"/>
+          </a:xfrm>
+          <a:prstGeom prst="rect">
+            <a:avLst/>
+          </a:prstGeom>
+          <a:noFill/>
+        </p:spPr>
+        <p:txBody>
+          <a:bodyPr wrap="none" rtlCol="0">
+            <a:spAutoFit/>
+          </a:bodyPr>
+          <a:lstStyle/>
+          <a:p>
+            <a:r>
+              <a:rPr lang="en-US" sz="1400" i="1" dirty="0" err="1" smtClean="0">
+                <a:solidFill>
+                  <a:schemeClr val="tx1">
+                    <a:lumMod val="75000"/>
+                    <a:lumOff val="25000"/>
+                  </a:schemeClr>
+                </a:solidFill>
+                <a:latin typeface="Arial" panose="020B0604020202020204" pitchFamily="34" charset="0"/>
+                <a:cs typeface="Arial" panose="020B0604020202020204" pitchFamily="34" charset="0"/>
+              </a:rPr>
+              <a:t>amoC</a:t>
+            </a:r>
+            <a:endParaRPr lang="en-US" sz="1400" i="1" dirty="0">
+              <a:solidFill>
+                <a:schemeClr val="tx1">
+                  <a:lumMod val="75000"/>
+                  <a:lumOff val="25000"/>
+                </a:schemeClr>
+              </a:solidFill>
+              <a:latin typeface="Arial" panose="020B0604020202020204" pitchFamily="34" charset="0"/>
+              <a:cs typeface="Arial" panose="020B0604020202020204" pitchFamily="34" charset="0"/>
+            </a:endParaRPr>
+          </a:p>
+        </p:txBody>
+      </p:sp>
+      <p:sp>
+        <p:nvSpPr>
+          <p:cNvPr id="48" name="Rechteck 47"/>
           <p:cNvSpPr/>
           <p:nvPr/>
         </p:nvSpPr>
         <p:spPr>
           <a:xfrm>
-            <a:off x="1096917" y="5584371"/>
-            <a:ext cx="9728563" cy="794658"/>
+            <a:off x="5117149" y="6149518"/>
+            <a:ext cx="232012" cy="191171"/>
           </a:xfrm>
           <a:prstGeom prst="rect">
             <a:avLst/>
@@ -3548,591 +4284,10 @@
           </a:p>
         </p:txBody>
       </p:sp>
-      <p:sp>
-        <p:nvSpPr>
-          <p:cNvPr id="6" name="Textfeld 5"/>
-          <p:cNvSpPr txBox="1"/>
-          <p:nvPr/>
-        </p:nvSpPr>
-        <p:spPr>
-          <a:xfrm>
-            <a:off x="1017940" y="5661317"/>
-            <a:ext cx="5212741" cy="338554"/>
-          </a:xfrm>
-          <a:prstGeom prst="rect">
-            <a:avLst/>
-          </a:prstGeom>
-          <a:noFill/>
-        </p:spPr>
-        <p:txBody>
-          <a:bodyPr wrap="square" rtlCol="0">
-            <a:spAutoFit/>
-          </a:bodyPr>
-          <a:lstStyle/>
-          <a:p>
-            <a:r>
-              <a:rPr lang="en-US" sz="1600" dirty="0" smtClean="0">
-                <a:solidFill>
-                  <a:schemeClr val="tx1">
-                    <a:lumMod val="65000"/>
-                    <a:lumOff val="35000"/>
-                  </a:schemeClr>
-                </a:solidFill>
-                <a:latin typeface="Arial" panose="020B0604020202020204" pitchFamily="34" charset="0"/>
-                <a:cs typeface="Arial" panose="020B0604020202020204" pitchFamily="34" charset="0"/>
-              </a:rPr>
-              <a:t>2018-04     2018-06    2018-08     2018-10    2019-02 </a:t>
-            </a:r>
-            <a:endParaRPr lang="en-US" sz="1600" dirty="0">
-              <a:solidFill>
-                <a:schemeClr val="tx1">
-                  <a:lumMod val="65000"/>
-                  <a:lumOff val="35000"/>
-                </a:schemeClr>
-              </a:solidFill>
-              <a:latin typeface="Arial" panose="020B0604020202020204" pitchFamily="34" charset="0"/>
-              <a:cs typeface="Arial" panose="020B0604020202020204" pitchFamily="34" charset="0"/>
-            </a:endParaRPr>
-          </a:p>
-        </p:txBody>
-      </p:sp>
-      <p:sp>
-        <p:nvSpPr>
-          <p:cNvPr id="20" name="Textfeld 19"/>
-          <p:cNvSpPr txBox="1"/>
-          <p:nvPr/>
-        </p:nvSpPr>
-        <p:spPr>
-          <a:xfrm>
-            <a:off x="5982185" y="5661317"/>
-            <a:ext cx="5212741" cy="338554"/>
-          </a:xfrm>
-          <a:prstGeom prst="rect">
-            <a:avLst/>
-          </a:prstGeom>
-          <a:noFill/>
-        </p:spPr>
-        <p:txBody>
-          <a:bodyPr wrap="square" rtlCol="0">
-            <a:spAutoFit/>
-          </a:bodyPr>
-          <a:lstStyle/>
-          <a:p>
-            <a:r>
-              <a:rPr lang="en-US" sz="1600" dirty="0" smtClean="0">
-                <a:solidFill>
-                  <a:schemeClr val="tx1">
-                    <a:lumMod val="65000"/>
-                    <a:lumOff val="35000"/>
-                  </a:schemeClr>
-                </a:solidFill>
-                <a:latin typeface="Arial" panose="020B0604020202020204" pitchFamily="34" charset="0"/>
-                <a:cs typeface="Arial" panose="020B0604020202020204" pitchFamily="34" charset="0"/>
-              </a:rPr>
-              <a:t>2018-04     2018-06    2018-08     2018-10    2019-02 </a:t>
-            </a:r>
-            <a:endParaRPr lang="en-US" sz="1600" dirty="0">
-              <a:solidFill>
-                <a:schemeClr val="tx1">
-                  <a:lumMod val="65000"/>
-                  <a:lumOff val="35000"/>
-                </a:schemeClr>
-              </a:solidFill>
-              <a:latin typeface="Arial" panose="020B0604020202020204" pitchFamily="34" charset="0"/>
-              <a:cs typeface="Arial" panose="020B0604020202020204" pitchFamily="34" charset="0"/>
-            </a:endParaRPr>
-          </a:p>
-        </p:txBody>
-      </p:sp>
-      <p:sp>
-        <p:nvSpPr>
-          <p:cNvPr id="21" name="Rechteck 20"/>
-          <p:cNvSpPr/>
-          <p:nvPr/>
-        </p:nvSpPr>
-        <p:spPr>
-          <a:xfrm>
-            <a:off x="10861339" y="652752"/>
-            <a:ext cx="318528" cy="5192488"/>
-          </a:xfrm>
-          <a:prstGeom prst="rect">
-            <a:avLst/>
-          </a:prstGeom>
-          <a:solidFill>
-            <a:schemeClr val="bg1"/>
-          </a:solidFill>
-          <a:ln>
-            <a:solidFill>
-              <a:schemeClr val="bg1"/>
-            </a:solidFill>
-          </a:ln>
-        </p:spPr>
-        <p:style>
-          <a:lnRef idx="2">
-            <a:schemeClr val="accent1">
-              <a:shade val="50000"/>
-            </a:schemeClr>
-          </a:lnRef>
-          <a:fillRef idx="1">
-            <a:schemeClr val="accent1"/>
-          </a:fillRef>
-          <a:effectRef idx="0">
-            <a:schemeClr val="accent1"/>
-          </a:effectRef>
-          <a:fontRef idx="minor">
-            <a:schemeClr val="lt1"/>
-          </a:fontRef>
-        </p:style>
-        <p:txBody>
-          <a:bodyPr rtlCol="0" anchor="ctr"/>
-          <a:lstStyle/>
-          <a:p>
-            <a:pPr algn="ctr"/>
-            <a:endParaRPr lang="en-US"/>
-          </a:p>
-        </p:txBody>
-      </p:sp>
-      <p:sp>
-        <p:nvSpPr>
-          <p:cNvPr id="7" name="Textfeld 6"/>
-          <p:cNvSpPr txBox="1"/>
-          <p:nvPr/>
-        </p:nvSpPr>
-        <p:spPr>
-          <a:xfrm>
-            <a:off x="10813771" y="713806"/>
-            <a:ext cx="678773" cy="4832092"/>
-          </a:xfrm>
-          <a:prstGeom prst="rect">
-            <a:avLst/>
-          </a:prstGeom>
-          <a:noFill/>
-        </p:spPr>
-        <p:txBody>
-          <a:bodyPr wrap="square" rtlCol="0">
-            <a:spAutoFit/>
-          </a:bodyPr>
-          <a:lstStyle/>
-          <a:p>
-            <a:r>
-              <a:rPr lang="en-US" sz="1400" dirty="0" err="1" smtClean="0">
-                <a:solidFill>
-                  <a:schemeClr val="tx1">
-                    <a:lumMod val="65000"/>
-                    <a:lumOff val="35000"/>
-                  </a:schemeClr>
-                </a:solidFill>
-                <a:latin typeface="Arial" panose="020B0604020202020204" pitchFamily="34" charset="0"/>
-                <a:cs typeface="Arial" panose="020B0604020202020204" pitchFamily="34" charset="0"/>
-              </a:rPr>
-              <a:t>nirB</a:t>
-            </a:r>
-            <a:endParaRPr lang="en-US" sz="1400" dirty="0" smtClean="0">
-              <a:solidFill>
-                <a:schemeClr val="tx1">
-                  <a:lumMod val="65000"/>
-                  <a:lumOff val="35000"/>
-                </a:schemeClr>
-              </a:solidFill>
-              <a:latin typeface="Arial" panose="020B0604020202020204" pitchFamily="34" charset="0"/>
-              <a:cs typeface="Arial" panose="020B0604020202020204" pitchFamily="34" charset="0"/>
-            </a:endParaRPr>
-          </a:p>
-          <a:p>
-            <a:endParaRPr lang="en-US" sz="1400" dirty="0">
-              <a:solidFill>
-                <a:schemeClr val="tx1">
-                  <a:lumMod val="65000"/>
-                  <a:lumOff val="35000"/>
-                </a:schemeClr>
-              </a:solidFill>
-              <a:latin typeface="Arial" panose="020B0604020202020204" pitchFamily="34" charset="0"/>
-              <a:cs typeface="Arial" panose="020B0604020202020204" pitchFamily="34" charset="0"/>
-            </a:endParaRPr>
-          </a:p>
-          <a:p>
-            <a:endParaRPr lang="en-US" sz="1400" dirty="0" smtClean="0">
-              <a:solidFill>
-                <a:schemeClr val="tx1">
-                  <a:lumMod val="65000"/>
-                  <a:lumOff val="35000"/>
-                </a:schemeClr>
-              </a:solidFill>
-              <a:latin typeface="Arial" panose="020B0604020202020204" pitchFamily="34" charset="0"/>
-              <a:cs typeface="Arial" panose="020B0604020202020204" pitchFamily="34" charset="0"/>
-            </a:endParaRPr>
-          </a:p>
-          <a:p>
-            <a:r>
-              <a:rPr lang="en-US" sz="1400" dirty="0" err="1" smtClean="0">
-                <a:solidFill>
-                  <a:schemeClr val="tx1">
-                    <a:lumMod val="65000"/>
-                    <a:lumOff val="35000"/>
-                  </a:schemeClr>
-                </a:solidFill>
-                <a:latin typeface="Arial" panose="020B0604020202020204" pitchFamily="34" charset="0"/>
-                <a:cs typeface="Arial" panose="020B0604020202020204" pitchFamily="34" charset="0"/>
-              </a:rPr>
-              <a:t>nasA</a:t>
-            </a:r>
-            <a:endParaRPr lang="en-US" sz="1400" dirty="0" smtClean="0">
-              <a:solidFill>
-                <a:schemeClr val="tx1">
-                  <a:lumMod val="65000"/>
-                  <a:lumOff val="35000"/>
-                </a:schemeClr>
-              </a:solidFill>
-              <a:latin typeface="Arial" panose="020B0604020202020204" pitchFamily="34" charset="0"/>
-              <a:cs typeface="Arial" panose="020B0604020202020204" pitchFamily="34" charset="0"/>
-            </a:endParaRPr>
-          </a:p>
-          <a:p>
-            <a:endParaRPr lang="en-US" sz="1400" dirty="0">
-              <a:solidFill>
-                <a:schemeClr val="tx1">
-                  <a:lumMod val="65000"/>
-                  <a:lumOff val="35000"/>
-                </a:schemeClr>
-              </a:solidFill>
-              <a:latin typeface="Arial" panose="020B0604020202020204" pitchFamily="34" charset="0"/>
-              <a:cs typeface="Arial" panose="020B0604020202020204" pitchFamily="34" charset="0"/>
-            </a:endParaRPr>
-          </a:p>
-          <a:p>
-            <a:endParaRPr lang="en-US" sz="1400" dirty="0" smtClean="0">
-              <a:solidFill>
-                <a:schemeClr val="tx1">
-                  <a:lumMod val="65000"/>
-                  <a:lumOff val="35000"/>
-                </a:schemeClr>
-              </a:solidFill>
-              <a:latin typeface="Arial" panose="020B0604020202020204" pitchFamily="34" charset="0"/>
-              <a:cs typeface="Arial" panose="020B0604020202020204" pitchFamily="34" charset="0"/>
-            </a:endParaRPr>
-          </a:p>
-          <a:p>
-            <a:r>
-              <a:rPr lang="en-US" sz="1400" dirty="0" err="1" smtClean="0">
-                <a:solidFill>
-                  <a:schemeClr val="tx1">
-                    <a:lumMod val="65000"/>
-                    <a:lumOff val="35000"/>
-                  </a:schemeClr>
-                </a:solidFill>
-                <a:latin typeface="Arial" panose="020B0604020202020204" pitchFamily="34" charset="0"/>
-                <a:cs typeface="Arial" panose="020B0604020202020204" pitchFamily="34" charset="0"/>
-              </a:rPr>
-              <a:t>nifK</a:t>
-            </a:r>
-            <a:endParaRPr lang="en-US" sz="1400" dirty="0" smtClean="0">
-              <a:solidFill>
-                <a:schemeClr val="tx1">
-                  <a:lumMod val="65000"/>
-                  <a:lumOff val="35000"/>
-                </a:schemeClr>
-              </a:solidFill>
-              <a:latin typeface="Arial" panose="020B0604020202020204" pitchFamily="34" charset="0"/>
-              <a:cs typeface="Arial" panose="020B0604020202020204" pitchFamily="34" charset="0"/>
-            </a:endParaRPr>
-          </a:p>
-          <a:p>
-            <a:endParaRPr lang="en-US" sz="1400" dirty="0">
-              <a:solidFill>
-                <a:schemeClr val="tx1">
-                  <a:lumMod val="65000"/>
-                  <a:lumOff val="35000"/>
-                </a:schemeClr>
-              </a:solidFill>
-              <a:latin typeface="Arial" panose="020B0604020202020204" pitchFamily="34" charset="0"/>
-              <a:cs typeface="Arial" panose="020B0604020202020204" pitchFamily="34" charset="0"/>
-            </a:endParaRPr>
-          </a:p>
-          <a:p>
-            <a:endParaRPr lang="en-US" sz="1400" dirty="0" smtClean="0">
-              <a:solidFill>
-                <a:schemeClr val="tx1">
-                  <a:lumMod val="65000"/>
-                  <a:lumOff val="35000"/>
-                </a:schemeClr>
-              </a:solidFill>
-              <a:latin typeface="Arial" panose="020B0604020202020204" pitchFamily="34" charset="0"/>
-              <a:cs typeface="Arial" panose="020B0604020202020204" pitchFamily="34" charset="0"/>
-            </a:endParaRPr>
-          </a:p>
-          <a:p>
-            <a:r>
-              <a:rPr lang="en-US" sz="1400" dirty="0" err="1" smtClean="0">
-                <a:solidFill>
-                  <a:schemeClr val="tx1">
-                    <a:lumMod val="65000"/>
-                    <a:lumOff val="35000"/>
-                  </a:schemeClr>
-                </a:solidFill>
-                <a:latin typeface="Arial" panose="020B0604020202020204" pitchFamily="34" charset="0"/>
-                <a:cs typeface="Arial" panose="020B0604020202020204" pitchFamily="34" charset="0"/>
-              </a:rPr>
-              <a:t>nifH</a:t>
-            </a:r>
-            <a:endParaRPr lang="en-US" sz="1400" dirty="0" smtClean="0">
-              <a:solidFill>
-                <a:schemeClr val="tx1">
-                  <a:lumMod val="65000"/>
-                  <a:lumOff val="35000"/>
-                </a:schemeClr>
-              </a:solidFill>
-              <a:latin typeface="Arial" panose="020B0604020202020204" pitchFamily="34" charset="0"/>
-              <a:cs typeface="Arial" panose="020B0604020202020204" pitchFamily="34" charset="0"/>
-            </a:endParaRPr>
-          </a:p>
-          <a:p>
-            <a:endParaRPr lang="en-US" sz="1400" dirty="0">
-              <a:solidFill>
-                <a:schemeClr val="tx1">
-                  <a:lumMod val="65000"/>
-                  <a:lumOff val="35000"/>
-                </a:schemeClr>
-              </a:solidFill>
-              <a:latin typeface="Arial" panose="020B0604020202020204" pitchFamily="34" charset="0"/>
-              <a:cs typeface="Arial" panose="020B0604020202020204" pitchFamily="34" charset="0"/>
-            </a:endParaRPr>
-          </a:p>
-          <a:p>
-            <a:endParaRPr lang="en-US" sz="1400" dirty="0" smtClean="0">
-              <a:solidFill>
-                <a:schemeClr val="tx1">
-                  <a:lumMod val="65000"/>
-                  <a:lumOff val="35000"/>
-                </a:schemeClr>
-              </a:solidFill>
-              <a:latin typeface="Arial" panose="020B0604020202020204" pitchFamily="34" charset="0"/>
-              <a:cs typeface="Arial" panose="020B0604020202020204" pitchFamily="34" charset="0"/>
-            </a:endParaRPr>
-          </a:p>
-          <a:p>
-            <a:r>
-              <a:rPr lang="en-US" sz="1400" dirty="0" err="1" smtClean="0">
-                <a:solidFill>
-                  <a:schemeClr val="tx1">
-                    <a:lumMod val="65000"/>
-                    <a:lumOff val="35000"/>
-                  </a:schemeClr>
-                </a:solidFill>
-                <a:latin typeface="Arial" panose="020B0604020202020204" pitchFamily="34" charset="0"/>
-                <a:cs typeface="Arial" panose="020B0604020202020204" pitchFamily="34" charset="0"/>
-              </a:rPr>
-              <a:t>nifD</a:t>
-            </a:r>
-            <a:endParaRPr lang="en-US" sz="1400" dirty="0" smtClean="0">
-              <a:solidFill>
-                <a:schemeClr val="tx1">
-                  <a:lumMod val="65000"/>
-                  <a:lumOff val="35000"/>
-                </a:schemeClr>
-              </a:solidFill>
-              <a:latin typeface="Arial" panose="020B0604020202020204" pitchFamily="34" charset="0"/>
-              <a:cs typeface="Arial" panose="020B0604020202020204" pitchFamily="34" charset="0"/>
-            </a:endParaRPr>
-          </a:p>
-          <a:p>
-            <a:endParaRPr lang="en-US" sz="1400" dirty="0">
-              <a:solidFill>
-                <a:schemeClr val="tx1">
-                  <a:lumMod val="65000"/>
-                  <a:lumOff val="35000"/>
-                </a:schemeClr>
-              </a:solidFill>
-              <a:latin typeface="Arial" panose="020B0604020202020204" pitchFamily="34" charset="0"/>
-              <a:cs typeface="Arial" panose="020B0604020202020204" pitchFamily="34" charset="0"/>
-            </a:endParaRPr>
-          </a:p>
-          <a:p>
-            <a:endParaRPr lang="en-US" sz="1400" dirty="0" smtClean="0">
-              <a:solidFill>
-                <a:schemeClr val="tx1">
-                  <a:lumMod val="65000"/>
-                  <a:lumOff val="35000"/>
-                </a:schemeClr>
-              </a:solidFill>
-              <a:latin typeface="Arial" panose="020B0604020202020204" pitchFamily="34" charset="0"/>
-              <a:cs typeface="Arial" panose="020B0604020202020204" pitchFamily="34" charset="0"/>
-            </a:endParaRPr>
-          </a:p>
-          <a:p>
-            <a:r>
-              <a:rPr lang="en-US" sz="1400" dirty="0" err="1" smtClean="0">
-                <a:solidFill>
-                  <a:schemeClr val="tx1">
-                    <a:lumMod val="65000"/>
-                    <a:lumOff val="35000"/>
-                  </a:schemeClr>
-                </a:solidFill>
-                <a:latin typeface="Arial" panose="020B0604020202020204" pitchFamily="34" charset="0"/>
-                <a:cs typeface="Arial" panose="020B0604020202020204" pitchFamily="34" charset="0"/>
-              </a:rPr>
-              <a:t>amoC</a:t>
-            </a:r>
-            <a:endParaRPr lang="en-US" sz="1400" dirty="0" smtClean="0">
-              <a:solidFill>
-                <a:schemeClr val="tx1">
-                  <a:lumMod val="65000"/>
-                  <a:lumOff val="35000"/>
-                </a:schemeClr>
-              </a:solidFill>
-              <a:latin typeface="Arial" panose="020B0604020202020204" pitchFamily="34" charset="0"/>
-              <a:cs typeface="Arial" panose="020B0604020202020204" pitchFamily="34" charset="0"/>
-            </a:endParaRPr>
-          </a:p>
-          <a:p>
-            <a:endParaRPr lang="en-US" sz="1400" dirty="0">
-              <a:solidFill>
-                <a:schemeClr val="tx1">
-                  <a:lumMod val="65000"/>
-                  <a:lumOff val="35000"/>
-                </a:schemeClr>
-              </a:solidFill>
-              <a:latin typeface="Arial" panose="020B0604020202020204" pitchFamily="34" charset="0"/>
-              <a:cs typeface="Arial" panose="020B0604020202020204" pitchFamily="34" charset="0"/>
-            </a:endParaRPr>
-          </a:p>
-          <a:p>
-            <a:endParaRPr lang="en-US" sz="1400" dirty="0" smtClean="0">
-              <a:solidFill>
-                <a:schemeClr val="tx1">
-                  <a:lumMod val="65000"/>
-                  <a:lumOff val="35000"/>
-                </a:schemeClr>
-              </a:solidFill>
-              <a:latin typeface="Arial" panose="020B0604020202020204" pitchFamily="34" charset="0"/>
-              <a:cs typeface="Arial" panose="020B0604020202020204" pitchFamily="34" charset="0"/>
-            </a:endParaRPr>
-          </a:p>
-          <a:p>
-            <a:r>
-              <a:rPr lang="en-US" sz="1400" dirty="0" err="1" smtClean="0">
-                <a:solidFill>
-                  <a:schemeClr val="tx1">
-                    <a:lumMod val="65000"/>
-                    <a:lumOff val="35000"/>
-                  </a:schemeClr>
-                </a:solidFill>
-                <a:latin typeface="Arial" panose="020B0604020202020204" pitchFamily="34" charset="0"/>
-                <a:cs typeface="Arial" panose="020B0604020202020204" pitchFamily="34" charset="0"/>
-              </a:rPr>
-              <a:t>amoB</a:t>
-            </a:r>
-            <a:endParaRPr lang="en-US" sz="1400" dirty="0" smtClean="0">
-              <a:solidFill>
-                <a:schemeClr val="tx1">
-                  <a:lumMod val="65000"/>
-                  <a:lumOff val="35000"/>
-                </a:schemeClr>
-              </a:solidFill>
-              <a:latin typeface="Arial" panose="020B0604020202020204" pitchFamily="34" charset="0"/>
-              <a:cs typeface="Arial" panose="020B0604020202020204" pitchFamily="34" charset="0"/>
-            </a:endParaRPr>
-          </a:p>
-          <a:p>
-            <a:endParaRPr lang="en-US" sz="1400" dirty="0">
-              <a:solidFill>
-                <a:schemeClr val="tx1">
-                  <a:lumMod val="65000"/>
-                  <a:lumOff val="35000"/>
-                </a:schemeClr>
-              </a:solidFill>
-              <a:latin typeface="Arial" panose="020B0604020202020204" pitchFamily="34" charset="0"/>
-              <a:cs typeface="Arial" panose="020B0604020202020204" pitchFamily="34" charset="0"/>
-            </a:endParaRPr>
-          </a:p>
-          <a:p>
-            <a:endParaRPr lang="en-US" sz="1400" dirty="0" smtClean="0">
-              <a:solidFill>
-                <a:schemeClr val="tx1">
-                  <a:lumMod val="65000"/>
-                  <a:lumOff val="35000"/>
-                </a:schemeClr>
-              </a:solidFill>
-              <a:latin typeface="Arial" panose="020B0604020202020204" pitchFamily="34" charset="0"/>
-              <a:cs typeface="Arial" panose="020B0604020202020204" pitchFamily="34" charset="0"/>
-            </a:endParaRPr>
-          </a:p>
-          <a:p>
-            <a:r>
-              <a:rPr lang="en-US" sz="1400" dirty="0" err="1" smtClean="0">
-                <a:solidFill>
-                  <a:schemeClr val="tx1">
-                    <a:lumMod val="65000"/>
-                    <a:lumOff val="35000"/>
-                  </a:schemeClr>
-                </a:solidFill>
-                <a:latin typeface="Arial" panose="020B0604020202020204" pitchFamily="34" charset="0"/>
-                <a:cs typeface="Arial" panose="020B0604020202020204" pitchFamily="34" charset="0"/>
-              </a:rPr>
-              <a:t>amoA</a:t>
-            </a:r>
-            <a:endParaRPr lang="en-US" sz="1400" dirty="0">
-              <a:solidFill>
-                <a:schemeClr val="tx1">
-                  <a:lumMod val="65000"/>
-                  <a:lumOff val="35000"/>
-                </a:schemeClr>
-              </a:solidFill>
-              <a:latin typeface="Arial" panose="020B0604020202020204" pitchFamily="34" charset="0"/>
-              <a:cs typeface="Arial" panose="020B0604020202020204" pitchFamily="34" charset="0"/>
-            </a:endParaRPr>
-          </a:p>
-        </p:txBody>
-      </p:sp>
-      <p:sp>
-        <p:nvSpPr>
-          <p:cNvPr id="23" name="Eckige Klammer rechts 22"/>
-          <p:cNvSpPr/>
-          <p:nvPr/>
-        </p:nvSpPr>
-        <p:spPr>
-          <a:xfrm>
-            <a:off x="11397246" y="772963"/>
-            <a:ext cx="266567" cy="958028"/>
-          </a:xfrm>
-          <a:prstGeom prst="rightBracket">
-            <a:avLst/>
-          </a:prstGeom>
-          <a:ln>
-            <a:solidFill>
-              <a:schemeClr val="tx1">
-                <a:lumMod val="65000"/>
-                <a:lumOff val="35000"/>
-              </a:schemeClr>
-            </a:solidFill>
-          </a:ln>
-        </p:spPr>
-        <p:style>
-          <a:lnRef idx="3">
-            <a:schemeClr val="dk1"/>
-          </a:lnRef>
-          <a:fillRef idx="0">
-            <a:schemeClr val="dk1"/>
-          </a:fillRef>
-          <a:effectRef idx="2">
-            <a:schemeClr val="dk1"/>
-          </a:effectRef>
-          <a:fontRef idx="minor">
-            <a:schemeClr val="tx1"/>
-          </a:fontRef>
-        </p:style>
-        <p:txBody>
-          <a:bodyPr rtlCol="0" anchor="ctr"/>
-          <a:lstStyle/>
-          <a:p>
-            <a:pPr algn="ctr"/>
-            <a:endParaRPr lang="en-US"/>
-          </a:p>
-        </p:txBody>
-      </p:sp>
     </p:spTree>
     <p:extLst>
       <p:ext uri="{BB962C8B-B14F-4D97-AF65-F5344CB8AC3E}">
-        <p14:creationId xmlns:p14="http://schemas.microsoft.com/office/powerpoint/2010/main" val="2861070688"/>
+        <p14:creationId xmlns:p14="http://schemas.microsoft.com/office/powerpoint/2010/main" val="3807034377"/>
       </p:ext>
     </p:extLst>
   </p:cSld>

--- a/Figures_PDF/functionalgenes_full.pptx
+++ b/Figures_PDF/functionalgenes_full.pptx
@@ -243,7 +243,7 @@
           <a:p>
             <a:fld id="{CA478A71-B361-464A-ACC9-D00C2104679D}" type="datetimeFigureOut">
               <a:rPr lang="en-US" smtClean="0"/>
-              <a:t>5/17/2024</a:t>
+              <a:t>6/25/2024</a:t>
             </a:fld>
             <a:endParaRPr lang="en-US"/>
           </a:p>
@@ -413,7 +413,7 @@
           <a:p>
             <a:fld id="{CA478A71-B361-464A-ACC9-D00C2104679D}" type="datetimeFigureOut">
               <a:rPr lang="en-US" smtClean="0"/>
-              <a:t>5/17/2024</a:t>
+              <a:t>6/25/2024</a:t>
             </a:fld>
             <a:endParaRPr lang="en-US"/>
           </a:p>
@@ -593,7 +593,7 @@
           <a:p>
             <a:fld id="{CA478A71-B361-464A-ACC9-D00C2104679D}" type="datetimeFigureOut">
               <a:rPr lang="en-US" smtClean="0"/>
-              <a:t>5/17/2024</a:t>
+              <a:t>6/25/2024</a:t>
             </a:fld>
             <a:endParaRPr lang="en-US"/>
           </a:p>
@@ -763,7 +763,7 @@
           <a:p>
             <a:fld id="{CA478A71-B361-464A-ACC9-D00C2104679D}" type="datetimeFigureOut">
               <a:rPr lang="en-US" smtClean="0"/>
-              <a:t>5/17/2024</a:t>
+              <a:t>6/25/2024</a:t>
             </a:fld>
             <a:endParaRPr lang="en-US"/>
           </a:p>
@@ -1009,7 +1009,7 @@
           <a:p>
             <a:fld id="{CA478A71-B361-464A-ACC9-D00C2104679D}" type="datetimeFigureOut">
               <a:rPr lang="en-US" smtClean="0"/>
-              <a:t>5/17/2024</a:t>
+              <a:t>6/25/2024</a:t>
             </a:fld>
             <a:endParaRPr lang="en-US"/>
           </a:p>
@@ -1241,7 +1241,7 @@
           <a:p>
             <a:fld id="{CA478A71-B361-464A-ACC9-D00C2104679D}" type="datetimeFigureOut">
               <a:rPr lang="en-US" smtClean="0"/>
-              <a:t>5/17/2024</a:t>
+              <a:t>6/25/2024</a:t>
             </a:fld>
             <a:endParaRPr lang="en-US"/>
           </a:p>
@@ -1608,7 +1608,7 @@
           <a:p>
             <a:fld id="{CA478A71-B361-464A-ACC9-D00C2104679D}" type="datetimeFigureOut">
               <a:rPr lang="en-US" smtClean="0"/>
-              <a:t>5/17/2024</a:t>
+              <a:t>6/25/2024</a:t>
             </a:fld>
             <a:endParaRPr lang="en-US"/>
           </a:p>
@@ -1726,7 +1726,7 @@
           <a:p>
             <a:fld id="{CA478A71-B361-464A-ACC9-D00C2104679D}" type="datetimeFigureOut">
               <a:rPr lang="en-US" smtClean="0"/>
-              <a:t>5/17/2024</a:t>
+              <a:t>6/25/2024</a:t>
             </a:fld>
             <a:endParaRPr lang="en-US"/>
           </a:p>
@@ -1821,7 +1821,7 @@
           <a:p>
             <a:fld id="{CA478A71-B361-464A-ACC9-D00C2104679D}" type="datetimeFigureOut">
               <a:rPr lang="en-US" smtClean="0"/>
-              <a:t>5/17/2024</a:t>
+              <a:t>6/25/2024</a:t>
             </a:fld>
             <a:endParaRPr lang="en-US"/>
           </a:p>
@@ -2098,7 +2098,7 @@
           <a:p>
             <a:fld id="{CA478A71-B361-464A-ACC9-D00C2104679D}" type="datetimeFigureOut">
               <a:rPr lang="en-US" smtClean="0"/>
-              <a:t>5/17/2024</a:t>
+              <a:t>6/25/2024</a:t>
             </a:fld>
             <a:endParaRPr lang="en-US"/>
           </a:p>
@@ -2351,7 +2351,7 @@
           <a:p>
             <a:fld id="{CA478A71-B361-464A-ACC9-D00C2104679D}" type="datetimeFigureOut">
               <a:rPr lang="en-US" smtClean="0"/>
-              <a:t>5/17/2024</a:t>
+              <a:t>6/25/2024</a:t>
             </a:fld>
             <a:endParaRPr lang="en-US"/>
           </a:p>
@@ -2564,7 +2564,7 @@
           <a:p>
             <a:fld id="{CA478A71-B361-464A-ACC9-D00C2104679D}" type="datetimeFigureOut">
               <a:rPr lang="en-US" smtClean="0"/>
-              <a:t>5/17/2024</a:t>
+              <a:t>6/25/2024</a:t>
             </a:fld>
             <a:endParaRPr lang="en-US"/>
           </a:p>
@@ -3025,13 +3025,13 @@
         </p:nvPicPr>
         <p:blipFill rotWithShape="1">
           <a:blip r:embed="rId3"/>
-          <a:srcRect l="91675" r="-1656" b="69527"/>
+          <a:srcRect l="91675" r="4456" b="69527"/>
           <a:stretch/>
         </p:blipFill>
         <p:spPr>
           <a:xfrm>
-            <a:off x="11506200" y="4765918"/>
-            <a:ext cx="566058" cy="1903639"/>
+            <a:off x="11447177" y="4294743"/>
+            <a:ext cx="261854" cy="2271728"/>
           </a:xfrm>
           <a:prstGeom prst="rect">
             <a:avLst/>
@@ -3046,7 +3046,7 @@
         </p:nvSpPr>
         <p:spPr>
           <a:xfrm>
-            <a:off x="10640890" y="522513"/>
+            <a:off x="10612474" y="523855"/>
             <a:ext cx="266567" cy="698132"/>
           </a:xfrm>
           <a:prstGeom prst="rightBracket">
@@ -3092,7 +3092,7 @@
         </p:nvSpPr>
         <p:spPr>
           <a:xfrm>
-            <a:off x="10640891" y="1405787"/>
+            <a:off x="10587425" y="1405787"/>
             <a:ext cx="266567" cy="1827269"/>
           </a:xfrm>
           <a:prstGeom prst="rightBracket">
@@ -3138,7 +3138,7 @@
         </p:nvSpPr>
         <p:spPr>
           <a:xfrm>
-            <a:off x="10580781" y="3400814"/>
+            <a:off x="10612474" y="3391228"/>
             <a:ext cx="266567" cy="1197346"/>
           </a:xfrm>
           <a:prstGeom prst="rightBracket">
@@ -3184,7 +3184,7 @@
         </p:nvSpPr>
         <p:spPr>
           <a:xfrm>
-            <a:off x="10577993" y="4765918"/>
+            <a:off x="10612473" y="4765918"/>
             <a:ext cx="266567" cy="1329379"/>
           </a:xfrm>
           <a:prstGeom prst="rightBracket">
@@ -3224,14 +3224,14 @@
       </p:sp>
       <p:sp>
         <p:nvSpPr>
-          <p:cNvPr id="10" name="Textfeld 9"/>
+          <p:cNvPr id="14" name="Textfeld 13"/>
           <p:cNvSpPr txBox="1"/>
           <p:nvPr/>
         </p:nvSpPr>
         <p:spPr>
-          <a:xfrm rot="5400000">
-            <a:off x="10595986" y="717691"/>
-            <a:ext cx="1141659" cy="307777"/>
+          <a:xfrm>
+            <a:off x="337483" y="0"/>
+            <a:ext cx="697627" cy="461665"/>
           </a:xfrm>
           <a:prstGeom prst="rect">
             <a:avLst/>
@@ -3245,189 +3245,7 @@
           <a:lstStyle/>
           <a:p>
             <a:r>
-              <a:rPr lang="en-US" sz="1400" dirty="0" smtClean="0">
-                <a:solidFill>
-                  <a:schemeClr val="tx1">
-                    <a:lumMod val="65000"/>
-                    <a:lumOff val="35000"/>
-                  </a:schemeClr>
-                </a:solidFill>
-                <a:latin typeface="Arial" panose="020B0604020202020204" pitchFamily="34" charset="0"/>
-                <a:cs typeface="Arial" panose="020B0604020202020204" pitchFamily="34" charset="0"/>
-              </a:rPr>
-              <a:t>Assimilation</a:t>
-            </a:r>
-            <a:endParaRPr lang="en-US" sz="1400" dirty="0">
-              <a:solidFill>
-                <a:schemeClr val="tx1">
-                  <a:lumMod val="65000"/>
-                  <a:lumOff val="35000"/>
-                </a:schemeClr>
-              </a:solidFill>
-              <a:latin typeface="Arial" panose="020B0604020202020204" pitchFamily="34" charset="0"/>
-              <a:cs typeface="Arial" panose="020B0604020202020204" pitchFamily="34" charset="0"/>
-            </a:endParaRPr>
-          </a:p>
-        </p:txBody>
-      </p:sp>
-      <p:sp>
-        <p:nvSpPr>
-          <p:cNvPr id="11" name="Textfeld 10"/>
-          <p:cNvSpPr txBox="1"/>
-          <p:nvPr/>
-        </p:nvSpPr>
-        <p:spPr>
-          <a:xfrm rot="5400000">
-            <a:off x="10721981" y="3755261"/>
-            <a:ext cx="894175" cy="523220"/>
-          </a:xfrm>
-          <a:prstGeom prst="rect">
-            <a:avLst/>
-          </a:prstGeom>
-          <a:noFill/>
-        </p:spPr>
-        <p:txBody>
-          <a:bodyPr wrap="square" rtlCol="0">
-            <a:spAutoFit/>
-          </a:bodyPr>
-          <a:lstStyle/>
-          <a:p>
-            <a:r>
-              <a:rPr lang="en-US" sz="1400" dirty="0" smtClean="0">
-                <a:solidFill>
-                  <a:schemeClr val="tx1">
-                    <a:lumMod val="65000"/>
-                    <a:lumOff val="35000"/>
-                  </a:schemeClr>
-                </a:solidFill>
-                <a:latin typeface="Arial" panose="020B0604020202020204" pitchFamily="34" charset="0"/>
-                <a:cs typeface="Arial" panose="020B0604020202020204" pitchFamily="34" charset="0"/>
-              </a:rPr>
-              <a:t>Nitrogen Fixation</a:t>
-            </a:r>
-            <a:endParaRPr lang="en-US" sz="1400" dirty="0">
-              <a:solidFill>
-                <a:schemeClr val="tx1">
-                  <a:lumMod val="65000"/>
-                  <a:lumOff val="35000"/>
-                </a:schemeClr>
-              </a:solidFill>
-              <a:latin typeface="Arial" panose="020B0604020202020204" pitchFamily="34" charset="0"/>
-              <a:cs typeface="Arial" panose="020B0604020202020204" pitchFamily="34" charset="0"/>
-            </a:endParaRPr>
-          </a:p>
-        </p:txBody>
-      </p:sp>
-      <p:sp>
-        <p:nvSpPr>
-          <p:cNvPr id="12" name="Textfeld 11"/>
-          <p:cNvSpPr txBox="1"/>
-          <p:nvPr/>
-        </p:nvSpPr>
-        <p:spPr>
-          <a:xfrm rot="5400000">
-            <a:off x="10654213" y="5177383"/>
-            <a:ext cx="980965" cy="523220"/>
-          </a:xfrm>
-          <a:prstGeom prst="rect">
-            <a:avLst/>
-          </a:prstGeom>
-          <a:noFill/>
-        </p:spPr>
-        <p:txBody>
-          <a:bodyPr wrap="square" rtlCol="0">
-            <a:spAutoFit/>
-          </a:bodyPr>
-          <a:lstStyle/>
-          <a:p>
-            <a:r>
-              <a:rPr lang="en-US" sz="1400" dirty="0" smtClean="0">
-                <a:solidFill>
-                  <a:schemeClr val="tx1">
-                    <a:lumMod val="65000"/>
-                    <a:lumOff val="35000"/>
-                  </a:schemeClr>
-                </a:solidFill>
-                <a:latin typeface="Arial" panose="020B0604020202020204" pitchFamily="34" charset="0"/>
-                <a:cs typeface="Arial" panose="020B0604020202020204" pitchFamily="34" charset="0"/>
-              </a:rPr>
-              <a:t>Ammonia Oxidation</a:t>
-            </a:r>
-            <a:endParaRPr lang="en-US" sz="1400" dirty="0">
-              <a:solidFill>
-                <a:schemeClr val="tx1">
-                  <a:lumMod val="65000"/>
-                  <a:lumOff val="35000"/>
-                </a:schemeClr>
-              </a:solidFill>
-              <a:latin typeface="Arial" panose="020B0604020202020204" pitchFamily="34" charset="0"/>
-              <a:cs typeface="Arial" panose="020B0604020202020204" pitchFamily="34" charset="0"/>
-            </a:endParaRPr>
-          </a:p>
-        </p:txBody>
-      </p:sp>
-      <p:sp>
-        <p:nvSpPr>
-          <p:cNvPr id="13" name="Textfeld 12"/>
-          <p:cNvSpPr txBox="1"/>
-          <p:nvPr/>
-        </p:nvSpPr>
-        <p:spPr>
-          <a:xfrm rot="5400000">
-            <a:off x="10475919" y="2262566"/>
-            <a:ext cx="1337555" cy="307777"/>
-          </a:xfrm>
-          <a:prstGeom prst="rect">
-            <a:avLst/>
-          </a:prstGeom>
-          <a:noFill/>
-        </p:spPr>
-        <p:txBody>
-          <a:bodyPr wrap="square" rtlCol="0">
-            <a:spAutoFit/>
-          </a:bodyPr>
-          <a:lstStyle/>
-          <a:p>
-            <a:r>
-              <a:rPr lang="en-US" sz="1400" dirty="0" smtClean="0">
-                <a:solidFill>
-                  <a:schemeClr val="tx1">
-                    <a:lumMod val="65000"/>
-                    <a:lumOff val="35000"/>
-                  </a:schemeClr>
-                </a:solidFill>
-                <a:latin typeface="Arial" panose="020B0604020202020204" pitchFamily="34" charset="0"/>
-                <a:cs typeface="Arial" panose="020B0604020202020204" pitchFamily="34" charset="0"/>
-              </a:rPr>
-              <a:t>Denitrification</a:t>
-            </a:r>
-          </a:p>
-        </p:txBody>
-      </p:sp>
-      <p:sp>
-        <p:nvSpPr>
-          <p:cNvPr id="14" name="Textfeld 13"/>
-          <p:cNvSpPr txBox="1"/>
-          <p:nvPr/>
-        </p:nvSpPr>
-        <p:spPr>
-          <a:xfrm>
-            <a:off x="337483" y="0"/>
-            <a:ext cx="697627" cy="461665"/>
-          </a:xfrm>
-          <a:prstGeom prst="rect">
-            <a:avLst/>
-          </a:prstGeom>
-          <a:noFill/>
-        </p:spPr>
-        <p:txBody>
-          <a:bodyPr wrap="none" rtlCol="0">
-            <a:spAutoFit/>
-          </a:bodyPr>
-          <a:lstStyle/>
-          <a:p>
-            <a:r>
-              <a:rPr lang="en-US" sz="2400" dirty="0">
+              <a:rPr lang="en-US" sz="2400" b="1" dirty="0">
                 <a:solidFill>
                   <a:schemeClr val="tx1">
                     <a:lumMod val="65000"/>
@@ -3440,7 +3258,7 @@
               <a:t>C</a:t>
             </a:r>
             <a:r>
-              <a:rPr lang="en-US" sz="2400" dirty="0" smtClean="0">
+              <a:rPr lang="en-US" sz="2400" b="1" dirty="0" smtClean="0">
                 <a:solidFill>
                   <a:schemeClr val="tx1">
                     <a:lumMod val="65000"/>
@@ -3452,7 +3270,7 @@
               </a:rPr>
               <a:t>W</a:t>
             </a:r>
-            <a:endParaRPr lang="en-US" sz="2400" dirty="0">
+            <a:endParaRPr lang="en-US" sz="2400" b="1" dirty="0">
               <a:solidFill>
                 <a:schemeClr val="tx1">
                   <a:lumMod val="65000"/>
@@ -3488,7 +3306,7 @@
           <a:lstStyle/>
           <a:p>
             <a:r>
-              <a:rPr lang="en-US" sz="2400" dirty="0">
+              <a:rPr lang="en-US" sz="2400" b="1" dirty="0">
                 <a:solidFill>
                   <a:schemeClr val="tx1">
                     <a:lumMod val="65000"/>
@@ -3501,7 +3319,7 @@
               <a:t>P</a:t>
             </a:r>
             <a:r>
-              <a:rPr lang="en-US" sz="2400" dirty="0" smtClean="0">
+              <a:rPr lang="en-US" sz="2400" b="1" dirty="0" smtClean="0">
                 <a:solidFill>
                   <a:schemeClr val="tx1">
                     <a:lumMod val="65000"/>
@@ -3513,7 +3331,7 @@
               </a:rPr>
               <a:t>W</a:t>
             </a:r>
-            <a:endParaRPr lang="en-US" sz="2400" dirty="0">
+            <a:endParaRPr lang="en-US" sz="2400" b="1" dirty="0">
               <a:solidFill>
                 <a:schemeClr val="tx1">
                   <a:lumMod val="65000"/>
@@ -3924,14 +3742,7 @@
           <a:prstGeom prst="line">
             <a:avLst/>
           </a:prstGeom>
-          <a:ln>
-            <a:solidFill>
-              <a:schemeClr val="tx1">
-                <a:lumMod val="75000"/>
-                <a:lumOff val="25000"/>
-              </a:schemeClr>
-            </a:solidFill>
-          </a:ln>
+          <a:ln/>
         </p:spPr>
         <p:style>
           <a:lnRef idx="3">
@@ -4281,6 +4092,338 @@
           <a:p>
             <a:pPr algn="ctr"/>
             <a:endParaRPr lang="en-US"/>
+          </a:p>
+        </p:txBody>
+      </p:sp>
+      <p:sp>
+        <p:nvSpPr>
+          <p:cNvPr id="17" name="Ellipse 16"/>
+          <p:cNvSpPr/>
+          <p:nvPr/>
+        </p:nvSpPr>
+        <p:spPr>
+          <a:xfrm>
+            <a:off x="10929228" y="638916"/>
+            <a:ext cx="467761" cy="452172"/>
+          </a:xfrm>
+          <a:prstGeom prst="ellipse">
+            <a:avLst/>
+          </a:prstGeom>
+          <a:solidFill>
+            <a:srgbClr val="7D3C98"/>
+          </a:solidFill>
+          <a:ln>
+            <a:solidFill>
+              <a:srgbClr val="7D3C98"/>
+            </a:solidFill>
+          </a:ln>
+        </p:spPr>
+        <p:style>
+          <a:lnRef idx="2">
+            <a:schemeClr val="accent1">
+              <a:shade val="50000"/>
+            </a:schemeClr>
+          </a:lnRef>
+          <a:fillRef idx="1">
+            <a:schemeClr val="accent1"/>
+          </a:fillRef>
+          <a:effectRef idx="0">
+            <a:schemeClr val="accent1"/>
+          </a:effectRef>
+          <a:fontRef idx="minor">
+            <a:schemeClr val="lt1"/>
+          </a:fontRef>
+        </p:style>
+        <p:txBody>
+          <a:bodyPr rtlCol="0" anchor="ctr"/>
+          <a:lstStyle/>
+          <a:p>
+            <a:pPr algn="ctr"/>
+            <a:r>
+              <a:rPr lang="en-US" b="1" dirty="0" smtClean="0">
+                <a:latin typeface="Arial" panose="020B0604020202020204" pitchFamily="34" charset="0"/>
+                <a:cs typeface="Arial" panose="020B0604020202020204" pitchFamily="34" charset="0"/>
+              </a:rPr>
+              <a:t>5</a:t>
+            </a:r>
+            <a:endParaRPr lang="en-US" b="1" dirty="0">
+              <a:latin typeface="Arial" panose="020B0604020202020204" pitchFamily="34" charset="0"/>
+              <a:cs typeface="Arial" panose="020B0604020202020204" pitchFamily="34" charset="0"/>
+            </a:endParaRPr>
+          </a:p>
+        </p:txBody>
+      </p:sp>
+      <p:sp>
+        <p:nvSpPr>
+          <p:cNvPr id="33" name="Ellipse 32"/>
+          <p:cNvSpPr/>
+          <p:nvPr/>
+        </p:nvSpPr>
+        <p:spPr>
+          <a:xfrm>
+            <a:off x="10929228" y="2106671"/>
+            <a:ext cx="467761" cy="452172"/>
+          </a:xfrm>
+          <a:prstGeom prst="ellipse">
+            <a:avLst/>
+          </a:prstGeom>
+          <a:solidFill>
+            <a:srgbClr val="7D3C98"/>
+          </a:solidFill>
+          <a:ln>
+            <a:solidFill>
+              <a:srgbClr val="7D3C98"/>
+            </a:solidFill>
+          </a:ln>
+        </p:spPr>
+        <p:style>
+          <a:lnRef idx="2">
+            <a:schemeClr val="accent1">
+              <a:shade val="50000"/>
+            </a:schemeClr>
+          </a:lnRef>
+          <a:fillRef idx="1">
+            <a:schemeClr val="accent1"/>
+          </a:fillRef>
+          <a:effectRef idx="0">
+            <a:schemeClr val="accent1"/>
+          </a:effectRef>
+          <a:fontRef idx="minor">
+            <a:schemeClr val="lt1"/>
+          </a:fontRef>
+        </p:style>
+        <p:txBody>
+          <a:bodyPr rtlCol="0" anchor="ctr"/>
+          <a:lstStyle/>
+          <a:p>
+            <a:pPr algn="ctr"/>
+            <a:r>
+              <a:rPr lang="en-US" b="1" dirty="0">
+                <a:latin typeface="Arial" panose="020B0604020202020204" pitchFamily="34" charset="0"/>
+                <a:cs typeface="Arial" panose="020B0604020202020204" pitchFamily="34" charset="0"/>
+              </a:rPr>
+              <a:t>4</a:t>
+            </a:r>
+          </a:p>
+        </p:txBody>
+      </p:sp>
+      <p:sp>
+        <p:nvSpPr>
+          <p:cNvPr id="34" name="Ellipse 33"/>
+          <p:cNvSpPr/>
+          <p:nvPr/>
+        </p:nvSpPr>
+        <p:spPr>
+          <a:xfrm>
+            <a:off x="10929228" y="3756823"/>
+            <a:ext cx="467761" cy="452172"/>
+          </a:xfrm>
+          <a:prstGeom prst="ellipse">
+            <a:avLst/>
+          </a:prstGeom>
+          <a:solidFill>
+            <a:srgbClr val="8DDBE0"/>
+          </a:solidFill>
+          <a:ln>
+            <a:solidFill>
+              <a:srgbClr val="8DDBE0"/>
+            </a:solidFill>
+          </a:ln>
+        </p:spPr>
+        <p:style>
+          <a:lnRef idx="2">
+            <a:schemeClr val="accent1">
+              <a:shade val="50000"/>
+            </a:schemeClr>
+          </a:lnRef>
+          <a:fillRef idx="1">
+            <a:schemeClr val="accent1"/>
+          </a:fillRef>
+          <a:effectRef idx="0">
+            <a:schemeClr val="accent1"/>
+          </a:effectRef>
+          <a:fontRef idx="minor">
+            <a:schemeClr val="lt1"/>
+          </a:fontRef>
+        </p:style>
+        <p:txBody>
+          <a:bodyPr rtlCol="0" anchor="ctr"/>
+          <a:lstStyle/>
+          <a:p>
+            <a:pPr algn="ctr"/>
+            <a:r>
+              <a:rPr lang="en-US" b="1" dirty="0" smtClean="0">
+                <a:latin typeface="Arial" panose="020B0604020202020204" pitchFamily="34" charset="0"/>
+                <a:cs typeface="Arial" panose="020B0604020202020204" pitchFamily="34" charset="0"/>
+              </a:rPr>
+              <a:t>1</a:t>
+            </a:r>
+            <a:endParaRPr lang="en-US" b="1" dirty="0">
+              <a:latin typeface="Arial" panose="020B0604020202020204" pitchFamily="34" charset="0"/>
+              <a:cs typeface="Arial" panose="020B0604020202020204" pitchFamily="34" charset="0"/>
+            </a:endParaRPr>
+          </a:p>
+        </p:txBody>
+      </p:sp>
+      <p:sp>
+        <p:nvSpPr>
+          <p:cNvPr id="35" name="Ellipse 34"/>
+          <p:cNvSpPr/>
+          <p:nvPr/>
+        </p:nvSpPr>
+        <p:spPr>
+          <a:xfrm>
+            <a:off x="10929228" y="5162129"/>
+            <a:ext cx="467761" cy="452172"/>
+          </a:xfrm>
+          <a:prstGeom prst="ellipse">
+            <a:avLst/>
+          </a:prstGeom>
+          <a:solidFill>
+            <a:srgbClr val="117A65"/>
+          </a:solidFill>
+          <a:ln>
+            <a:solidFill>
+              <a:srgbClr val="117A65"/>
+            </a:solidFill>
+          </a:ln>
+        </p:spPr>
+        <p:style>
+          <a:lnRef idx="2">
+            <a:schemeClr val="accent1">
+              <a:shade val="50000"/>
+            </a:schemeClr>
+          </a:lnRef>
+          <a:fillRef idx="1">
+            <a:schemeClr val="accent1"/>
+          </a:fillRef>
+          <a:effectRef idx="0">
+            <a:schemeClr val="accent1"/>
+          </a:effectRef>
+          <a:fontRef idx="minor">
+            <a:schemeClr val="lt1"/>
+          </a:fontRef>
+        </p:style>
+        <p:txBody>
+          <a:bodyPr rtlCol="0" anchor="ctr"/>
+          <a:lstStyle/>
+          <a:p>
+            <a:pPr algn="ctr"/>
+            <a:r>
+              <a:rPr lang="en-US" b="1" dirty="0">
+                <a:latin typeface="Arial" panose="020B0604020202020204" pitchFamily="34" charset="0"/>
+                <a:cs typeface="Arial" panose="020B0604020202020204" pitchFamily="34" charset="0"/>
+              </a:rPr>
+              <a:t>2</a:t>
+            </a:r>
+          </a:p>
+        </p:txBody>
+      </p:sp>
+      <p:sp>
+        <p:nvSpPr>
+          <p:cNvPr id="3" name="Textfeld 2"/>
+          <p:cNvSpPr txBox="1"/>
+          <p:nvPr/>
+        </p:nvSpPr>
+        <p:spPr>
+          <a:xfrm>
+            <a:off x="11686733" y="4294743"/>
+            <a:ext cx="505267" cy="369332"/>
+          </a:xfrm>
+          <a:prstGeom prst="rect">
+            <a:avLst/>
+          </a:prstGeom>
+          <a:noFill/>
+        </p:spPr>
+        <p:txBody>
+          <a:bodyPr wrap="none" rtlCol="0">
+            <a:spAutoFit/>
+          </a:bodyPr>
+          <a:lstStyle/>
+          <a:p>
+            <a:r>
+              <a:rPr lang="en-US" b="1" dirty="0" smtClean="0">
+                <a:latin typeface="Arial" panose="020B0604020202020204" pitchFamily="34" charset="0"/>
+                <a:cs typeface="Arial" panose="020B0604020202020204" pitchFamily="34" charset="0"/>
+              </a:rPr>
+              <a:t>1.5</a:t>
+            </a:r>
+            <a:endParaRPr lang="en-US" b="1" dirty="0">
+              <a:latin typeface="Arial" panose="020B0604020202020204" pitchFamily="34" charset="0"/>
+              <a:cs typeface="Arial" panose="020B0604020202020204" pitchFamily="34" charset="0"/>
+            </a:endParaRPr>
+          </a:p>
+        </p:txBody>
+      </p:sp>
+      <p:sp>
+        <p:nvSpPr>
+          <p:cNvPr id="36" name="Textfeld 35"/>
+          <p:cNvSpPr txBox="1"/>
+          <p:nvPr/>
+        </p:nvSpPr>
+        <p:spPr>
+          <a:xfrm>
+            <a:off x="11681181" y="6095297"/>
+            <a:ext cx="582211" cy="369332"/>
+          </a:xfrm>
+          <a:prstGeom prst="rect">
+            <a:avLst/>
+          </a:prstGeom>
+          <a:noFill/>
+        </p:spPr>
+        <p:txBody>
+          <a:bodyPr wrap="none" rtlCol="0">
+            <a:spAutoFit/>
+          </a:bodyPr>
+          <a:lstStyle/>
+          <a:p>
+            <a:r>
+              <a:rPr lang="en-US" b="1" dirty="0" smtClean="0">
+                <a:latin typeface="Arial" panose="020B0604020202020204" pitchFamily="34" charset="0"/>
+                <a:cs typeface="Arial" panose="020B0604020202020204" pitchFamily="34" charset="0"/>
+              </a:rPr>
+              <a:t>-1.5</a:t>
+            </a:r>
+            <a:endParaRPr lang="en-US" b="1" dirty="0">
+              <a:latin typeface="Arial" panose="020B0604020202020204" pitchFamily="34" charset="0"/>
+              <a:cs typeface="Arial" panose="020B0604020202020204" pitchFamily="34" charset="0"/>
+            </a:endParaRPr>
+          </a:p>
+        </p:txBody>
+      </p:sp>
+      <p:sp>
+        <p:nvSpPr>
+          <p:cNvPr id="37" name="Textfeld 36"/>
+          <p:cNvSpPr txBox="1"/>
+          <p:nvPr/>
+        </p:nvSpPr>
+        <p:spPr>
+          <a:xfrm>
+            <a:off x="11717244" y="5195020"/>
+            <a:ext cx="312906" cy="369332"/>
+          </a:xfrm>
+          <a:prstGeom prst="rect">
+            <a:avLst/>
+          </a:prstGeom>
+          <a:noFill/>
+        </p:spPr>
+        <p:txBody>
+          <a:bodyPr wrap="none" rtlCol="0">
+            <a:spAutoFit/>
+          </a:bodyPr>
+          <a:lstStyle/>
+          <a:p>
+            <a:r>
+              <a:rPr lang="en-US" b="1" dirty="0" smtClean="0">
+                <a:latin typeface="Arial" panose="020B0604020202020204" pitchFamily="34" charset="0"/>
+                <a:cs typeface="Arial" panose="020B0604020202020204" pitchFamily="34" charset="0"/>
+              </a:rPr>
+              <a:t>0</a:t>
+            </a:r>
+            <a:endParaRPr lang="en-US" b="1" dirty="0">
+              <a:latin typeface="Arial" panose="020B0604020202020204" pitchFamily="34" charset="0"/>
+              <a:cs typeface="Arial" panose="020B0604020202020204" pitchFamily="34" charset="0"/>
+            </a:endParaRPr>
           </a:p>
         </p:txBody>
       </p:sp>
